--- a/jour03/presentation.pptx
+++ b/jour03/presentation.pptx
@@ -26,6 +26,7 @@
     <p:sldId id="264" r:id="rId21"/>
     <p:sldId id="265" r:id="rId22"/>
     <p:sldId id="266" r:id="rId23"/>
+    <p:sldId id="267" r:id="rId24"/>
   </p:sldIdLst>
   <p:sldSz cx="9144000" cy="5143500"/>
   <p:notesSz cx="7559675" cy="10691813"/>
@@ -163,7 +164,7 @@
         <p:txBody>
           <a:bodyPr/>
           <a:p>
-            <a:fld id="{B862465A-3938-4BE6-B83D-80E11CBB7DFC}" type="slidenum">
+            <a:fld id="{F67FBD42-E4D4-406B-B7A6-BEA71945C2FA}" type="slidenum">
               <a:t>&lt;#&gt;</a:t>
             </a:fld>
           </a:p>
@@ -246,7 +247,7 @@
         <p:txBody>
           <a:bodyPr/>
           <a:p>
-            <a:fld id="{7158211F-DC4A-4777-8F70-D6AA58F42FF2}" type="slidenum">
+            <a:fld id="{20B02825-86CA-4569-ADE5-483F4BBF41A6}" type="slidenum">
               <a:t>&lt;#&gt;</a:t>
             </a:fld>
           </a:p>
@@ -329,7 +330,7 @@
         <p:txBody>
           <a:bodyPr/>
           <a:p>
-            <a:fld id="{FCDABAB2-F15B-48C4-AC28-234620B38668}" type="slidenum">
+            <a:fld id="{DF3FACDB-FC33-44DF-8680-1195926C2A1E}" type="slidenum">
               <a:t>&lt;#&gt;</a:t>
             </a:fld>
           </a:p>
@@ -412,7 +413,7 @@
         <p:txBody>
           <a:bodyPr/>
           <a:p>
-            <a:fld id="{868B0E0D-C1B3-434D-A5A9-79932AC02F6E}" type="slidenum">
+            <a:fld id="{DF8FC78C-D695-419E-8DDD-4B226B6AC570}" type="slidenum">
               <a:t>&lt;#&gt;</a:t>
             </a:fld>
           </a:p>
@@ -495,7 +496,7 @@
         <p:txBody>
           <a:bodyPr/>
           <a:p>
-            <a:fld id="{7743EFA2-423D-4803-B43A-8F92D91A07F8}" type="slidenum">
+            <a:fld id="{0B2A3124-09AE-4AE9-B6C1-554E8F2982BC}" type="slidenum">
               <a:t>&lt;#&gt;</a:t>
             </a:fld>
           </a:p>
@@ -661,7 +662,7 @@
         <p:txBody>
           <a:bodyPr/>
           <a:p>
-            <a:fld id="{A99DBA86-7123-489D-91F8-DB365C59FF3B}" type="slidenum">
+            <a:fld id="{E8A27299-ADD2-4942-83EB-B72B2529B81E}" type="slidenum">
               <a:t>&lt;#&gt;</a:t>
             </a:fld>
           </a:p>
@@ -744,7 +745,7 @@
         <p:txBody>
           <a:bodyPr/>
           <a:p>
-            <a:fld id="{5AD331C7-F55A-47F6-A3BB-44CF02450B19}" type="slidenum">
+            <a:fld id="{2FB9558E-0F1C-4842-B37B-D34D9438CC0F}" type="slidenum">
               <a:t>&lt;#&gt;</a:t>
             </a:fld>
           </a:p>
@@ -953,7 +954,7 @@
         <p:txBody>
           <a:bodyPr/>
           <a:p>
-            <a:fld id="{9DFC0ED8-9190-4F1F-92FF-077AD415FAEE}" type="slidenum">
+            <a:fld id="{B1373FC1-54DE-43AD-AE99-A6B99CC06ED4}" type="slidenum">
               <a:t>&lt;#&gt;</a:t>
             </a:fld>
           </a:p>
@@ -1036,7 +1037,7 @@
         <p:txBody>
           <a:bodyPr/>
           <a:p>
-            <a:fld id="{E49CC23C-D807-4A04-83B8-A2B6217A500D}" type="slidenum">
+            <a:fld id="{482896AC-DBEB-456C-B333-E424AD880319}" type="slidenum">
               <a:t>&lt;#&gt;</a:t>
             </a:fld>
           </a:p>
@@ -1159,7 +1160,7 @@
         <p:txBody>
           <a:bodyPr/>
           <a:p>
-            <a:fld id="{B4A1C50F-84A2-46A6-BA8D-7B8381590603}" type="slidenum">
+            <a:fld id="{32D4BF37-D0C0-4237-8CBC-BFE5491CF882}" type="slidenum">
               <a:t>&lt;#&gt;</a:t>
             </a:fld>
           </a:p>
@@ -1242,7 +1243,7 @@
         <p:txBody>
           <a:bodyPr/>
           <a:p>
-            <a:fld id="{54CE690C-A3D6-4A59-919D-546858B5C560}" type="slidenum">
+            <a:fld id="{BD49C0DD-4256-4319-A3C3-BE18A1F015E2}" type="slidenum">
               <a:t>&lt;#&gt;</a:t>
             </a:fld>
           </a:p>
@@ -1530,7 +1531,7 @@
               </a:lnSpc>
               <a:buNone/>
             </a:pPr>
-            <a:fld id="{3608829A-B26B-4698-8CC4-D5BB4EC34DA5}" type="slidenum">
+            <a:fld id="{082D6A5C-3B04-42C9-BA1F-5E7C685F89AE}" type="slidenum">
               <a:rPr b="0" lang="en-US" sz="900" spc="-1" strike="noStrike">
                 <a:solidFill>
                   <a:schemeClr val="dk1">
@@ -2052,7 +2053,7 @@
               </a:lnSpc>
               <a:buNone/>
             </a:pPr>
-            <a:fld id="{0F233671-40C0-47DF-BA96-32AAA679F568}" type="slidenum">
+            <a:fld id="{6A8921B6-A226-40BA-87C7-D0DDFDB6F8A1}" type="slidenum">
               <a:rPr b="0" lang="en-US" sz="900" spc="-1" strike="noStrike">
                 <a:solidFill>
                   <a:schemeClr val="dk1">
@@ -2620,7 +2621,7 @@
               </a:lnSpc>
               <a:buNone/>
             </a:pPr>
-            <a:fld id="{B2D2F9D3-4021-4CA6-994A-570104C4158E}" type="slidenum">
+            <a:fld id="{087783FE-15E3-44CC-9CBF-90F98CDC214D}" type="slidenum">
               <a:rPr b="0" lang="en-US" sz="900" spc="-1" strike="noStrike">
                 <a:solidFill>
                   <a:schemeClr val="dk1">
@@ -2773,7 +2774,16 @@
                 </a:solidFill>
                 <a:latin typeface="Calibri"/>
               </a:rPr>
-              <a:t>Click to edit Master text styles</a:t>
+              <a:t>Click to edit Master </a:t>
+            </a:r>
+            <a:r>
+              <a:rPr b="0" lang="en-US" sz="2400" spc="-1" strike="noStrike">
+                <a:solidFill>
+                  <a:schemeClr val="dk1"/>
+                </a:solidFill>
+                <a:latin typeface="Calibri"/>
+              </a:rPr>
+              <a:t>text styles</a:t>
             </a:r>
             <a:endParaRPr b="0" lang="en-US" sz="2400" spc="-1" strike="noStrike">
               <a:solidFill>
@@ -3084,7 +3094,7 @@
               </a:lnSpc>
               <a:buNone/>
             </a:pPr>
-            <a:fld id="{C17C2FAA-1C9E-41C8-B412-A9CB9B5536DF}" type="slidenum">
+            <a:fld id="{29414A42-4DD7-411D-BA96-9F3945C63B33}" type="slidenum">
               <a:rPr b="0" lang="en-US" sz="900" spc="-1" strike="noStrike">
                 <a:solidFill>
                   <a:schemeClr val="dk1">
@@ -3548,7 +3558,7 @@
               </a:lnSpc>
               <a:buNone/>
             </a:pPr>
-            <a:fld id="{FC633CA2-7D92-421C-8C45-E6B11A1BF69E}" type="slidenum">
+            <a:fld id="{1146B865-1091-4BC7-8D90-E2393C7A2545}" type="slidenum">
               <a:rPr b="0" lang="en-US" sz="900" spc="-1" strike="noStrike">
                 <a:solidFill>
                   <a:schemeClr val="dk1">
@@ -4012,7 +4022,7 @@
               </a:lnSpc>
               <a:buNone/>
             </a:pPr>
-            <a:fld id="{B9D112FD-08C4-46E6-8584-89D0891F0305}" type="slidenum">
+            <a:fld id="{509B5A23-435D-4745-8B98-8E7AE858B7DE}" type="slidenum">
               <a:rPr b="0" lang="en-US" sz="900" spc="-1" strike="noStrike">
                 <a:solidFill>
                   <a:schemeClr val="dk1">
@@ -4357,7 +4367,7 @@
               </a:lnSpc>
               <a:buNone/>
             </a:pPr>
-            <a:fld id="{672FF329-1EE3-478F-84B2-821B7C3BD23D}" type="slidenum">
+            <a:fld id="{1F755F8F-3DBA-49EB-B77F-9EAAB7CD574C}" type="slidenum">
               <a:rPr b="0" lang="en-US" sz="900" spc="-1" strike="noStrike">
                 <a:solidFill>
                   <a:schemeClr val="dk1">
@@ -5000,7 +5010,7 @@
               </a:lnSpc>
               <a:buNone/>
             </a:pPr>
-            <a:fld id="{CCB38984-9262-4505-BD17-B0C55E708CB8}" type="slidenum">
+            <a:fld id="{A5624FF6-A30F-4015-827C-69E39535B1C8}" type="slidenum">
               <a:rPr b="0" lang="en-US" sz="900" spc="-1" strike="noStrike">
                 <a:solidFill>
                   <a:schemeClr val="dk1">
@@ -5759,7 +5769,7 @@
               </a:lnSpc>
               <a:buNone/>
             </a:pPr>
-            <a:fld id="{8CD81955-8CB7-4FA9-8521-E415E9453BF9}" type="slidenum">
+            <a:fld id="{8C924AD7-E641-4663-A1E0-D0E7FAD1A242}" type="slidenum">
               <a:rPr b="0" lang="en-US" sz="900" spc="-1" strike="noStrike">
                 <a:solidFill>
                   <a:schemeClr val="dk1">
@@ -6044,7 +6054,7 @@
               </a:lnSpc>
               <a:buNone/>
             </a:pPr>
-            <a:fld id="{7E21D41D-16B4-429A-BD0D-CFF9E64D6010}" type="slidenum">
+            <a:fld id="{317E6181-B36F-46B9-9018-3CB3C8F942C5}" type="slidenum">
               <a:rPr b="0" lang="en-US" sz="900" spc="-1" strike="noStrike">
                 <a:solidFill>
                   <a:schemeClr val="dk1">
@@ -6277,7 +6287,7 @@
               </a:lnSpc>
               <a:buNone/>
             </a:pPr>
-            <a:fld id="{B7C3298E-81D0-481C-9BAE-B40A3FD4ED86}" type="slidenum">
+            <a:fld id="{25DDCFC4-2770-40DB-A8F2-D7486F77CF56}" type="slidenum">
               <a:rPr b="0" lang="en-US" sz="900" spc="-1" strike="noStrike">
                 <a:solidFill>
                   <a:schemeClr val="dk1">
@@ -6461,7 +6471,7 @@
                 </a:solidFill>
                 <a:latin typeface="Calibri"/>
               </a:rPr>
-              <a:t>8. Mini-exos</a:t>
+              <a:t>7. Exemple complet du jour</a:t>
             </a:r>
             <a:endParaRPr b="0" lang="en-US" sz="3300" spc="-1" strike="noStrike">
               <a:solidFill>
@@ -6484,7 +6494,7 @@
         </p:nvSpPr>
         <p:spPr>
           <a:xfrm>
-            <a:off x="457200" y="1200240"/>
+            <a:off x="457200" y="720720"/>
             <a:ext cx="8229240" cy="3394080"/>
           </a:xfrm>
           <a:prstGeom prst="rect">
@@ -6500,161 +6510,625 @@
             <a:noAutofit/>
           </a:bodyPr>
           <a:p>
-            <a:pPr marL="343080" indent="-343080" defTabSz="343080">
+            <a:pPr marL="343080" indent="0" defTabSz="343080">
               <a:lnSpc>
                 <a:spcPct val="100000"/>
               </a:lnSpc>
               <a:spcBef>
                 <a:spcPts val="479"/>
               </a:spcBef>
-              <a:buClr>
-                <a:srgbClr val="000000"/>
-              </a:buClr>
-              <a:buFont typeface="Arial"/>
-              <a:buAutoNum type="arabicPeriod"/>
+              <a:buNone/>
+              <a:tabLst>
+                <a:tab algn="l" pos="0"/>
+              </a:tabLst>
             </a:pPr>
-            <a:r>
-              <a:rPr b="0" lang="en-US" sz="2400" spc="-1" strike="noStrike">
-                <a:solidFill>
-                  <a:schemeClr val="dk1"/>
-                </a:solidFill>
-                <a:latin typeface="Calibri"/>
-              </a:rPr>
-              <a:t>Créer une fonction </a:t>
-            </a:r>
-            <a:r>
-              <a:rPr b="0" lang="en-US" sz="2400" spc="-1" strike="noStrike">
-                <a:solidFill>
-                  <a:schemeClr val="dk1"/>
-                </a:solidFill>
-                <a:latin typeface="Courier New"/>
-              </a:rPr>
-              <a:t>max_et_min</a:t>
-            </a:r>
-            <a:r>
-              <a:rPr b="0" lang="en-US" sz="2400" spc="-1" strike="noStrike">
-                <a:solidFill>
-                  <a:schemeClr val="dk1"/>
-                </a:solidFill>
-                <a:latin typeface="Calibri"/>
-              </a:rPr>
-              <a:t> qui retourne le plus grand et le plus petit nombre d’une liste.</a:t>
-            </a:r>
-            <a:endParaRPr b="0" lang="en-US" sz="2400" spc="-1" strike="noStrike">
-              <a:solidFill>
-                <a:schemeClr val="dk1"/>
-              </a:solidFill>
-              <a:latin typeface="Calibri"/>
-            </a:endParaRPr>
-          </a:p>
-          <a:p>
-            <a:pPr marL="343080" indent="-343080" defTabSz="343080">
-              <a:lnSpc>
-                <a:spcPct val="100000"/>
-              </a:lnSpc>
-              <a:spcBef>
-                <a:spcPts val="479"/>
-              </a:spcBef>
-              <a:buClr>
-                <a:srgbClr val="000000"/>
-              </a:buClr>
-              <a:buFont typeface="Arial"/>
-              <a:buAutoNum type="arabicPeriod"/>
-            </a:pPr>
-            <a:r>
-              <a:rPr b="0" lang="en-US" sz="2400" spc="-1" strike="noStrike">
-                <a:solidFill>
-                  <a:schemeClr val="dk1"/>
-                </a:solidFill>
-                <a:latin typeface="Calibri"/>
-              </a:rPr>
-              <a:t>Créer une fonction récursive </a:t>
-            </a:r>
-            <a:r>
-              <a:rPr b="0" lang="en-US" sz="2400" spc="-1" strike="noStrike">
-                <a:solidFill>
-                  <a:schemeClr val="dk1"/>
-                </a:solidFill>
-                <a:latin typeface="Courier New"/>
-              </a:rPr>
-              <a:t>somme_liste</a:t>
-            </a:r>
-            <a:r>
-              <a:rPr b="0" lang="en-US" sz="2400" spc="-1" strike="noStrike">
-                <a:solidFill>
-                  <a:schemeClr val="dk1"/>
-                </a:solidFill>
-                <a:latin typeface="Calibri"/>
-              </a:rPr>
-              <a:t> qui additionne tous les éléments d’une liste.</a:t>
-            </a:r>
-            <a:endParaRPr b="0" lang="en-US" sz="2400" spc="-1" strike="noStrike">
-              <a:solidFill>
-                <a:schemeClr val="dk1"/>
-              </a:solidFill>
-              <a:latin typeface="Calibri"/>
-            </a:endParaRPr>
-          </a:p>
-          <a:p>
-            <a:pPr marL="343080" indent="-343080" defTabSz="343080">
-              <a:lnSpc>
-                <a:spcPct val="100000"/>
-              </a:lnSpc>
-              <a:spcBef>
-                <a:spcPts val="479"/>
-              </a:spcBef>
-              <a:buClr>
-                <a:srgbClr val="000000"/>
-              </a:buClr>
-              <a:buFont typeface="Arial"/>
-              <a:buAutoNum type="arabicPeriod"/>
-            </a:pPr>
-            <a:r>
-              <a:rPr b="0" lang="en-US" sz="2400" spc="-1" strike="noStrike">
-                <a:solidFill>
-                  <a:schemeClr val="dk1"/>
-                </a:solidFill>
-                <a:latin typeface="Calibri"/>
-              </a:rPr>
-              <a:t>Modifier </a:t>
-            </a:r>
-            <a:r>
-              <a:rPr b="0" lang="en-US" sz="2400" spc="-1" strike="noStrike">
-                <a:solidFill>
-                  <a:schemeClr val="dk1"/>
-                </a:solidFill>
-                <a:latin typeface="Courier New"/>
-              </a:rPr>
-              <a:t>config.txt</a:t>
-            </a:r>
-            <a:r>
-              <a:rPr b="0" lang="en-US" sz="2400" spc="-1" strike="noStrike">
-                <a:solidFill>
-                  <a:schemeClr val="dk1"/>
-                </a:solidFill>
-                <a:latin typeface="Calibri"/>
-              </a:rPr>
-              <a:t> pour y ajouter une clé </a:t>
-            </a:r>
-            <a:r>
-              <a:rPr b="0" lang="en-US" sz="2400" spc="-1" strike="noStrike">
-                <a:solidFill>
-                  <a:schemeClr val="dk1"/>
-                </a:solidFill>
-                <a:latin typeface="Courier New"/>
-              </a:rPr>
-              <a:t>theme=clair</a:t>
-            </a:r>
-            <a:r>
-              <a:rPr b="0" lang="en-US" sz="2400" spc="-1" strike="noStrike">
-                <a:solidFill>
-                  <a:schemeClr val="dk1"/>
-                </a:solidFill>
-                <a:latin typeface="Calibri"/>
-              </a:rPr>
-              <a:t> et afficher sa valeur.</a:t>
-            </a:r>
-            <a:endParaRPr b="0" lang="en-US" sz="2400" spc="-1" strike="noStrike">
+            <a:br>
+              <a:rPr sz="1500"/>
+            </a:br>
+            <a:r>
+              <a:rPr b="0" i="1" lang="en-US" sz="1500" spc="-1" strike="noStrike">
+                <a:solidFill>
+                  <a:srgbClr val="60a0b0"/>
+                </a:solidFill>
+                <a:latin typeface="Courier New"/>
+              </a:rPr>
+              <a:t># Fonction typée + retour multiple</a:t>
+            </a:r>
+            <a:br>
+              <a:rPr sz="1500"/>
+            </a:br>
+            <a:r>
+              <a:rPr b="1" lang="en-US" sz="1500" spc="-1" strike="noStrike">
+                <a:solidFill>
+                  <a:srgbClr val="007020"/>
+                </a:solidFill>
+                <a:latin typeface="Courier New"/>
+              </a:rPr>
+              <a:t>def</a:t>
+            </a:r>
+            <a:r>
+              <a:rPr b="0" lang="en-US" sz="1500" spc="-1" strike="noStrike">
+                <a:solidFill>
+                  <a:schemeClr val="dk1"/>
+                </a:solidFill>
+                <a:latin typeface="Courier New"/>
+              </a:rPr>
+              <a:t> calcul_stats(a: </a:t>
+            </a:r>
+            <a:r>
+              <a:rPr b="0" lang="en-US" sz="1500" spc="-1" strike="noStrike">
+                <a:solidFill>
+                  <a:srgbClr val="008000"/>
+                </a:solidFill>
+                <a:latin typeface="Courier New"/>
+              </a:rPr>
+              <a:t>int</a:t>
+            </a:r>
+            <a:r>
+              <a:rPr b="0" lang="en-US" sz="1500" spc="-1" strike="noStrike">
+                <a:solidFill>
+                  <a:schemeClr val="dk1"/>
+                </a:solidFill>
+                <a:latin typeface="Courier New"/>
+              </a:rPr>
+              <a:t>, b: </a:t>
+            </a:r>
+            <a:r>
+              <a:rPr b="0" lang="en-US" sz="1500" spc="-1" strike="noStrike">
+                <a:solidFill>
+                  <a:srgbClr val="008000"/>
+                </a:solidFill>
+                <a:latin typeface="Courier New"/>
+              </a:rPr>
+              <a:t>int</a:t>
+            </a:r>
+            <a:r>
+              <a:rPr b="0" lang="en-US" sz="1500" spc="-1" strike="noStrike">
+                <a:solidFill>
+                  <a:schemeClr val="dk1"/>
+                </a:solidFill>
+                <a:latin typeface="Courier New"/>
+              </a:rPr>
+              <a:t>) </a:t>
+            </a:r>
+            <a:r>
+              <a:rPr b="0" lang="en-US" sz="1500" spc="-1" strike="noStrike">
+                <a:solidFill>
+                  <a:srgbClr val="666666"/>
+                </a:solidFill>
+                <a:latin typeface="Courier New"/>
+              </a:rPr>
+              <a:t>-&gt;</a:t>
+            </a:r>
+            <a:r>
+              <a:rPr b="0" lang="en-US" sz="1500" spc="-1" strike="noStrike">
+                <a:solidFill>
+                  <a:schemeClr val="dk1"/>
+                </a:solidFill>
+                <a:latin typeface="Courier New"/>
+              </a:rPr>
+              <a:t> </a:t>
+            </a:r>
+            <a:r>
+              <a:rPr b="0" lang="en-US" sz="1500" spc="-1" strike="noStrike">
+                <a:solidFill>
+                  <a:srgbClr val="008000"/>
+                </a:solidFill>
+                <a:latin typeface="Courier New"/>
+              </a:rPr>
+              <a:t>tuple</a:t>
+            </a:r>
+            <a:r>
+              <a:rPr b="0" lang="en-US" sz="1500" spc="-1" strike="noStrike">
+                <a:solidFill>
+                  <a:schemeClr val="dk1"/>
+                </a:solidFill>
+                <a:latin typeface="Courier New"/>
+              </a:rPr>
+              <a:t>[</a:t>
+            </a:r>
+            <a:r>
+              <a:rPr b="0" lang="en-US" sz="1500" spc="-1" strike="noStrike">
+                <a:solidFill>
+                  <a:srgbClr val="008000"/>
+                </a:solidFill>
+                <a:latin typeface="Courier New"/>
+              </a:rPr>
+              <a:t>int</a:t>
+            </a:r>
+            <a:r>
+              <a:rPr b="0" lang="en-US" sz="1500" spc="-1" strike="noStrike">
+                <a:solidFill>
+                  <a:schemeClr val="dk1"/>
+                </a:solidFill>
+                <a:latin typeface="Courier New"/>
+              </a:rPr>
+              <a:t>, </a:t>
+            </a:r>
+            <a:r>
+              <a:rPr b="0" lang="en-US" sz="1500" spc="-1" strike="noStrike">
+                <a:solidFill>
+                  <a:srgbClr val="008000"/>
+                </a:solidFill>
+                <a:latin typeface="Courier New"/>
+              </a:rPr>
+              <a:t>int</a:t>
+            </a:r>
+            <a:r>
+              <a:rPr b="0" lang="en-US" sz="1500" spc="-1" strike="noStrike">
+                <a:solidFill>
+                  <a:schemeClr val="dk1"/>
+                </a:solidFill>
+                <a:latin typeface="Courier New"/>
+              </a:rPr>
+              <a:t>, </a:t>
+            </a:r>
+            <a:r>
+              <a:rPr b="0" lang="en-US" sz="1500" spc="-1" strike="noStrike">
+                <a:solidFill>
+                  <a:srgbClr val="008000"/>
+                </a:solidFill>
+                <a:latin typeface="Courier New"/>
+              </a:rPr>
+              <a:t>int</a:t>
+            </a:r>
+            <a:r>
+              <a:rPr b="0" lang="en-US" sz="1500" spc="-1" strike="noStrike">
+                <a:solidFill>
+                  <a:schemeClr val="dk1"/>
+                </a:solidFill>
+                <a:latin typeface="Courier New"/>
+              </a:rPr>
+              <a:t>]:</a:t>
+            </a:r>
+            <a:br>
+              <a:rPr sz="1500"/>
+            </a:br>
+            <a:r>
+              <a:rPr b="0" lang="en-US" sz="1500" spc="-1" strike="noStrike">
+                <a:solidFill>
+                  <a:schemeClr val="dk1"/>
+                </a:solidFill>
+                <a:latin typeface="Courier New"/>
+              </a:rPr>
+              <a:t>    somme </a:t>
+            </a:r>
+            <a:r>
+              <a:rPr b="0" lang="en-US" sz="1500" spc="-1" strike="noStrike">
+                <a:solidFill>
+                  <a:srgbClr val="666666"/>
+                </a:solidFill>
+                <a:latin typeface="Courier New"/>
+              </a:rPr>
+              <a:t>=</a:t>
+            </a:r>
+            <a:r>
+              <a:rPr b="0" lang="en-US" sz="1500" spc="-1" strike="noStrike">
+                <a:solidFill>
+                  <a:schemeClr val="dk1"/>
+                </a:solidFill>
+                <a:latin typeface="Courier New"/>
+              </a:rPr>
+              <a:t> a </a:t>
+            </a:r>
+            <a:r>
+              <a:rPr b="0" lang="en-US" sz="1500" spc="-1" strike="noStrike">
+                <a:solidFill>
+                  <a:srgbClr val="666666"/>
+                </a:solidFill>
+                <a:latin typeface="Courier New"/>
+              </a:rPr>
+              <a:t>+</a:t>
+            </a:r>
+            <a:r>
+              <a:rPr b="0" lang="en-US" sz="1500" spc="-1" strike="noStrike">
+                <a:solidFill>
+                  <a:schemeClr val="dk1"/>
+                </a:solidFill>
+                <a:latin typeface="Courier New"/>
+              </a:rPr>
+              <a:t> b</a:t>
+            </a:r>
+            <a:br>
+              <a:rPr sz="1500"/>
+            </a:br>
+            <a:r>
+              <a:rPr b="0" lang="en-US" sz="1500" spc="-1" strike="noStrike">
+                <a:solidFill>
+                  <a:schemeClr val="dk1"/>
+                </a:solidFill>
+                <a:latin typeface="Courier New"/>
+              </a:rPr>
+              <a:t>    produit </a:t>
+            </a:r>
+            <a:r>
+              <a:rPr b="0" lang="en-US" sz="1500" spc="-1" strike="noStrike">
+                <a:solidFill>
+                  <a:srgbClr val="666666"/>
+                </a:solidFill>
+                <a:latin typeface="Courier New"/>
+              </a:rPr>
+              <a:t>=</a:t>
+            </a:r>
+            <a:r>
+              <a:rPr b="0" lang="en-US" sz="1500" spc="-1" strike="noStrike">
+                <a:solidFill>
+                  <a:schemeClr val="dk1"/>
+                </a:solidFill>
+                <a:latin typeface="Courier New"/>
+              </a:rPr>
+              <a:t> a </a:t>
+            </a:r>
+            <a:r>
+              <a:rPr b="0" lang="en-US" sz="1500" spc="-1" strike="noStrike">
+                <a:solidFill>
+                  <a:srgbClr val="666666"/>
+                </a:solidFill>
+                <a:latin typeface="Courier New"/>
+              </a:rPr>
+              <a:t>*</a:t>
+            </a:r>
+            <a:r>
+              <a:rPr b="0" lang="en-US" sz="1500" spc="-1" strike="noStrike">
+                <a:solidFill>
+                  <a:schemeClr val="dk1"/>
+                </a:solidFill>
+                <a:latin typeface="Courier New"/>
+              </a:rPr>
+              <a:t> b</a:t>
+            </a:r>
+            <a:br>
+              <a:rPr sz="1500"/>
+            </a:br>
+            <a:r>
+              <a:rPr b="0" lang="en-US" sz="1500" spc="-1" strike="noStrike">
+                <a:solidFill>
+                  <a:schemeClr val="dk1"/>
+                </a:solidFill>
+                <a:latin typeface="Courier New"/>
+              </a:rPr>
+              <a:t>    diff </a:t>
+            </a:r>
+            <a:r>
+              <a:rPr b="0" lang="en-US" sz="1500" spc="-1" strike="noStrike">
+                <a:solidFill>
+                  <a:srgbClr val="666666"/>
+                </a:solidFill>
+                <a:latin typeface="Courier New"/>
+              </a:rPr>
+              <a:t>=</a:t>
+            </a:r>
+            <a:r>
+              <a:rPr b="0" lang="en-US" sz="1500" spc="-1" strike="noStrike">
+                <a:solidFill>
+                  <a:schemeClr val="dk1"/>
+                </a:solidFill>
+                <a:latin typeface="Courier New"/>
+              </a:rPr>
+              <a:t> a </a:t>
+            </a:r>
+            <a:r>
+              <a:rPr b="0" lang="en-US" sz="1500" spc="-1" strike="noStrike">
+                <a:solidFill>
+                  <a:srgbClr val="666666"/>
+                </a:solidFill>
+                <a:latin typeface="Courier New"/>
+              </a:rPr>
+              <a:t>-</a:t>
+            </a:r>
+            <a:r>
+              <a:rPr b="0" lang="en-US" sz="1500" spc="-1" strike="noStrike">
+                <a:solidFill>
+                  <a:schemeClr val="dk1"/>
+                </a:solidFill>
+                <a:latin typeface="Courier New"/>
+              </a:rPr>
+              <a:t> b</a:t>
+            </a:r>
+            <a:br>
+              <a:rPr sz="1500"/>
+            </a:br>
+            <a:r>
+              <a:rPr b="0" lang="en-US" sz="1500" spc="-1" strike="noStrike">
+                <a:solidFill>
+                  <a:schemeClr val="dk1"/>
+                </a:solidFill>
+                <a:latin typeface="Courier New"/>
+              </a:rPr>
+              <a:t>    </a:t>
+            </a:r>
+            <a:r>
+              <a:rPr b="1" lang="en-US" sz="1500" spc="-1" strike="noStrike">
+                <a:solidFill>
+                  <a:srgbClr val="007020"/>
+                </a:solidFill>
+                <a:latin typeface="Courier New"/>
+              </a:rPr>
+              <a:t>return</a:t>
+            </a:r>
+            <a:r>
+              <a:rPr b="0" lang="en-US" sz="1500" spc="-1" strike="noStrike">
+                <a:solidFill>
+                  <a:schemeClr val="dk1"/>
+                </a:solidFill>
+                <a:latin typeface="Courier New"/>
+              </a:rPr>
+              <a:t> somme, produit, diff</a:t>
+            </a:r>
+            <a:br>
+              <a:rPr sz="2400"/>
+            </a:br>
+            <a:br>
+              <a:rPr sz="1500"/>
+            </a:br>
+            <a:r>
+              <a:rPr b="0" i="1" lang="en-US" sz="1500" spc="-1" strike="noStrike">
+                <a:solidFill>
+                  <a:srgbClr val="60a0b0"/>
+                </a:solidFill>
+                <a:latin typeface="Courier New"/>
+              </a:rPr>
+              <a:t># Récursif</a:t>
+            </a:r>
+            <a:br>
+              <a:rPr sz="1500"/>
+            </a:br>
+            <a:r>
+              <a:rPr b="1" lang="en-US" sz="1500" spc="-1" strike="noStrike">
+                <a:solidFill>
+                  <a:srgbClr val="007020"/>
+                </a:solidFill>
+                <a:latin typeface="Courier New"/>
+              </a:rPr>
+              <a:t>def</a:t>
+            </a:r>
+            <a:r>
+              <a:rPr b="0" lang="en-US" sz="1500" spc="-1" strike="noStrike">
+                <a:solidFill>
+                  <a:schemeClr val="dk1"/>
+                </a:solidFill>
+                <a:latin typeface="Courier New"/>
+              </a:rPr>
+              <a:t> compte_a_rebours(n: </a:t>
+            </a:r>
+            <a:r>
+              <a:rPr b="0" lang="en-US" sz="1500" spc="-1" strike="noStrike">
+                <a:solidFill>
+                  <a:srgbClr val="008000"/>
+                </a:solidFill>
+                <a:latin typeface="Courier New"/>
+              </a:rPr>
+              <a:t>int</a:t>
+            </a:r>
+            <a:r>
+              <a:rPr b="0" lang="en-US" sz="1500" spc="-1" strike="noStrike">
+                <a:solidFill>
+                  <a:schemeClr val="dk1"/>
+                </a:solidFill>
+                <a:latin typeface="Courier New"/>
+              </a:rPr>
+              <a:t>):</a:t>
+            </a:r>
+            <a:br>
+              <a:rPr sz="1500"/>
+            </a:br>
+            <a:r>
+              <a:rPr b="0" lang="en-US" sz="1500" spc="-1" strike="noStrike">
+                <a:solidFill>
+                  <a:schemeClr val="dk1"/>
+                </a:solidFill>
+                <a:latin typeface="Courier New"/>
+              </a:rPr>
+              <a:t>    </a:t>
+            </a:r>
+            <a:r>
+              <a:rPr b="1" lang="en-US" sz="1500" spc="-1" strike="noStrike">
+                <a:solidFill>
+                  <a:srgbClr val="007020"/>
+                </a:solidFill>
+                <a:latin typeface="Courier New"/>
+              </a:rPr>
+              <a:t>if</a:t>
+            </a:r>
+            <a:r>
+              <a:rPr b="0" lang="en-US" sz="1500" spc="-1" strike="noStrike">
+                <a:solidFill>
+                  <a:schemeClr val="dk1"/>
+                </a:solidFill>
+                <a:latin typeface="Courier New"/>
+              </a:rPr>
+              <a:t> n </a:t>
+            </a:r>
+            <a:r>
+              <a:rPr b="0" lang="en-US" sz="1500" spc="-1" strike="noStrike">
+                <a:solidFill>
+                  <a:srgbClr val="666666"/>
+                </a:solidFill>
+                <a:latin typeface="Courier New"/>
+              </a:rPr>
+              <a:t>==</a:t>
+            </a:r>
+            <a:r>
+              <a:rPr b="0" lang="en-US" sz="1500" spc="-1" strike="noStrike">
+                <a:solidFill>
+                  <a:schemeClr val="dk1"/>
+                </a:solidFill>
+                <a:latin typeface="Courier New"/>
+              </a:rPr>
+              <a:t> </a:t>
+            </a:r>
+            <a:r>
+              <a:rPr b="0" lang="en-US" sz="1500" spc="-1" strike="noStrike">
+                <a:solidFill>
+                  <a:srgbClr val="40a070"/>
+                </a:solidFill>
+                <a:latin typeface="Courier New"/>
+              </a:rPr>
+              <a:t>0</a:t>
+            </a:r>
+            <a:r>
+              <a:rPr b="0" lang="en-US" sz="1500" spc="-1" strike="noStrike">
+                <a:solidFill>
+                  <a:schemeClr val="dk1"/>
+                </a:solidFill>
+                <a:latin typeface="Courier New"/>
+              </a:rPr>
+              <a:t>:</a:t>
+            </a:r>
+            <a:br>
+              <a:rPr sz="1500"/>
+            </a:br>
+            <a:r>
+              <a:rPr b="0" lang="en-US" sz="1500" spc="-1" strike="noStrike">
+                <a:solidFill>
+                  <a:schemeClr val="dk1"/>
+                </a:solidFill>
+                <a:latin typeface="Courier New"/>
+              </a:rPr>
+              <a:t>        </a:t>
+            </a:r>
+            <a:r>
+              <a:rPr b="0" lang="en-US" sz="1500" spc="-1" strike="noStrike">
+                <a:solidFill>
+                  <a:srgbClr val="008000"/>
+                </a:solidFill>
+                <a:latin typeface="Courier New"/>
+              </a:rPr>
+              <a:t>print</a:t>
+            </a:r>
+            <a:r>
+              <a:rPr b="0" lang="en-US" sz="1500" spc="-1" strike="noStrike">
+                <a:solidFill>
+                  <a:schemeClr val="dk1"/>
+                </a:solidFill>
+                <a:latin typeface="Courier New"/>
+              </a:rPr>
+              <a:t>(</a:t>
+            </a:r>
+            <a:r>
+              <a:rPr b="0" lang="en-US" sz="1500" spc="-1" strike="noStrike">
+                <a:solidFill>
+                  <a:srgbClr val="4070a0"/>
+                </a:solidFill>
+                <a:latin typeface="Courier New"/>
+              </a:rPr>
+              <a:t>"🚀 Décollage !"</a:t>
+            </a:r>
+            <a:r>
+              <a:rPr b="0" lang="en-US" sz="1500" spc="-1" strike="noStrike">
+                <a:solidFill>
+                  <a:schemeClr val="dk1"/>
+                </a:solidFill>
+                <a:latin typeface="Courier New"/>
+              </a:rPr>
+              <a:t>)</a:t>
+            </a:r>
+            <a:br>
+              <a:rPr sz="1500"/>
+            </a:br>
+            <a:r>
+              <a:rPr b="0" lang="en-US" sz="1500" spc="-1" strike="noStrike">
+                <a:solidFill>
+                  <a:schemeClr val="dk1"/>
+                </a:solidFill>
+                <a:latin typeface="Courier New"/>
+              </a:rPr>
+              <a:t>        </a:t>
+            </a:r>
+            <a:r>
+              <a:rPr b="1" lang="en-US" sz="1500" spc="-1" strike="noStrike">
+                <a:solidFill>
+                  <a:srgbClr val="007020"/>
+                </a:solidFill>
+                <a:latin typeface="Courier New"/>
+              </a:rPr>
+              <a:t>return</a:t>
+            </a:r>
+            <a:br>
+              <a:rPr sz="1500"/>
+            </a:br>
+            <a:r>
+              <a:rPr b="0" lang="en-US" sz="1500" spc="-1" strike="noStrike">
+                <a:solidFill>
+                  <a:schemeClr val="dk1"/>
+                </a:solidFill>
+                <a:latin typeface="Courier New"/>
+              </a:rPr>
+              <a:t>    </a:t>
+            </a:r>
+            <a:r>
+              <a:rPr b="0" lang="en-US" sz="1500" spc="-1" strike="noStrike">
+                <a:solidFill>
+                  <a:srgbClr val="008000"/>
+                </a:solidFill>
+                <a:latin typeface="Courier New"/>
+              </a:rPr>
+              <a:t>print</a:t>
+            </a:r>
+            <a:r>
+              <a:rPr b="0" lang="en-US" sz="1500" spc="-1" strike="noStrike">
+                <a:solidFill>
+                  <a:schemeClr val="dk1"/>
+                </a:solidFill>
+                <a:latin typeface="Courier New"/>
+              </a:rPr>
+              <a:t>(n)</a:t>
+            </a:r>
+            <a:br>
+              <a:rPr sz="1500"/>
+            </a:br>
+            <a:r>
+              <a:rPr b="0" lang="en-US" sz="1500" spc="-1" strike="noStrike">
+                <a:solidFill>
+                  <a:schemeClr val="dk1"/>
+                </a:solidFill>
+                <a:latin typeface="Courier New"/>
+              </a:rPr>
+              <a:t>    compte_a_rebours(n </a:t>
+            </a:r>
+            <a:r>
+              <a:rPr b="0" lang="en-US" sz="1500" spc="-1" strike="noStrike">
+                <a:solidFill>
+                  <a:srgbClr val="666666"/>
+                </a:solidFill>
+                <a:latin typeface="Courier New"/>
+              </a:rPr>
+              <a:t>-</a:t>
+            </a:r>
+            <a:r>
+              <a:rPr b="0" lang="en-US" sz="1500" spc="-1" strike="noStrike">
+                <a:solidFill>
+                  <a:schemeClr val="dk1"/>
+                </a:solidFill>
+                <a:latin typeface="Courier New"/>
+              </a:rPr>
+              <a:t> </a:t>
+            </a:r>
+            <a:r>
+              <a:rPr b="0" lang="en-US" sz="1500" spc="-1" strike="noStrike">
+                <a:solidFill>
+                  <a:srgbClr val="40a070"/>
+                </a:solidFill>
+                <a:latin typeface="Courier New"/>
+              </a:rPr>
+              <a:t>1</a:t>
+            </a:r>
+            <a:r>
+              <a:rPr b="0" lang="en-US" sz="1500" spc="-1" strike="noStrike">
+                <a:solidFill>
+                  <a:schemeClr val="dk1"/>
+                </a:solidFill>
+                <a:latin typeface="Courier New"/>
+              </a:rPr>
+              <a:t>)</a:t>
+            </a:r>
+            <a:br>
+              <a:rPr sz="1500"/>
+            </a:br>
+            <a:br>
+              <a:rPr sz="1500"/>
+            </a:br>
+            <a:endParaRPr b="0" lang="en-US" sz="1500" spc="-1" strike="noStrike">
               <a:solidFill>
                 <a:schemeClr val="dk1"/>
               </a:solidFill>
@@ -6700,6 +7174,528 @@
             <a:spLocks noGrp="1"/>
           </p:cNvSpPr>
           <p:nvPr>
+            <p:ph type="title"/>
+          </p:nvPr>
+        </p:nvSpPr>
+        <p:spPr>
+          <a:xfrm>
+            <a:off x="457200" y="205920"/>
+            <a:ext cx="8229240" cy="856800"/>
+          </a:xfrm>
+          <a:prstGeom prst="rect">
+            <a:avLst/>
+          </a:prstGeom>
+          <a:noFill/>
+          <a:ln w="0">
+            <a:noFill/>
+          </a:ln>
+        </p:spPr>
+        <p:txBody>
+          <a:bodyPr lIns="91440" rIns="91440" tIns="45720" bIns="45720" anchor="ctr">
+            <a:noAutofit/>
+          </a:bodyPr>
+          <a:p>
+            <a:pPr indent="0" algn="ctr" defTabSz="343080">
+              <a:lnSpc>
+                <a:spcPct val="100000"/>
+              </a:lnSpc>
+              <a:buNone/>
+              <a:tabLst>
+                <a:tab algn="l" pos="0"/>
+              </a:tabLst>
+            </a:pPr>
+            <a:r>
+              <a:rPr b="0" lang="en-US" sz="3300" spc="-1" strike="noStrike">
+                <a:solidFill>
+                  <a:schemeClr val="dk1"/>
+                </a:solidFill>
+                <a:latin typeface="Calibri"/>
+              </a:rPr>
+              <a:t>7. Exemple complet du jour</a:t>
+            </a:r>
+            <a:endParaRPr b="0" lang="en-US" sz="3300" spc="-1" strike="noStrike">
+              <a:solidFill>
+                <a:schemeClr val="dk1"/>
+              </a:solidFill>
+              <a:latin typeface="Calibri"/>
+            </a:endParaRPr>
+          </a:p>
+        </p:txBody>
+      </p:sp>
+      <p:sp>
+        <p:nvSpPr>
+          <p:cNvPr id="85" name="PlaceHolder 2"/>
+          <p:cNvSpPr>
+            <a:spLocks noGrp="1"/>
+          </p:cNvSpPr>
+          <p:nvPr>
+            <p:ph/>
+          </p:nvPr>
+        </p:nvSpPr>
+        <p:spPr>
+          <a:xfrm>
+            <a:off x="457200" y="720720"/>
+            <a:ext cx="8229240" cy="3394080"/>
+          </a:xfrm>
+          <a:prstGeom prst="rect">
+            <a:avLst/>
+          </a:prstGeom>
+          <a:noFill/>
+          <a:ln w="0">
+            <a:noFill/>
+          </a:ln>
+        </p:spPr>
+        <p:txBody>
+          <a:bodyPr lIns="91440" rIns="91440" tIns="45720" bIns="45720" anchor="t">
+            <a:noAutofit/>
+          </a:bodyPr>
+          <a:p>
+            <a:pPr marL="343080" indent="0" defTabSz="343080">
+              <a:lnSpc>
+                <a:spcPct val="100000"/>
+              </a:lnSpc>
+              <a:spcBef>
+                <a:spcPts val="479"/>
+              </a:spcBef>
+              <a:buNone/>
+              <a:tabLst>
+                <a:tab algn="l" pos="0"/>
+              </a:tabLst>
+            </a:pPr>
+            <a:br>
+              <a:rPr sz="1500"/>
+            </a:br>
+            <a:br>
+              <a:rPr sz="1500"/>
+            </a:br>
+            <a:r>
+              <a:rPr b="0" i="1" lang="en-US" sz="1500" spc="-1" strike="noStrike">
+                <a:solidFill>
+                  <a:srgbClr val="60a0b0"/>
+                </a:solidFill>
+                <a:latin typeface="Courier New"/>
+              </a:rPr>
+              <a:t># --- Utilisation ---</a:t>
+            </a:r>
+            <a:br>
+              <a:rPr sz="1500"/>
+            </a:br>
+            <a:r>
+              <a:rPr b="0" lang="en-US" sz="1500" spc="-1" strike="noStrike">
+                <a:solidFill>
+                  <a:schemeClr val="dk1"/>
+                </a:solidFill>
+                <a:latin typeface="Courier New"/>
+              </a:rPr>
+              <a:t>config </a:t>
+            </a:r>
+            <a:r>
+              <a:rPr b="0" lang="en-US" sz="1500" spc="-1" strike="noStrike">
+                <a:solidFill>
+                  <a:srgbClr val="666666"/>
+                </a:solidFill>
+                <a:latin typeface="Courier New"/>
+              </a:rPr>
+              <a:t>=</a:t>
+            </a:r>
+            <a:r>
+              <a:rPr b="0" lang="en-US" sz="1500" spc="-1" strike="noStrike">
+                <a:solidFill>
+                  <a:schemeClr val="dk1"/>
+                </a:solidFill>
+                <a:latin typeface="Courier New"/>
+              </a:rPr>
+              <a:t> lire_config()</a:t>
+            </a:r>
+            <a:br>
+              <a:rPr sz="1500"/>
+            </a:br>
+            <a:r>
+              <a:rPr b="0" lang="en-US" sz="1500" spc="-1" strike="noStrike">
+                <a:solidFill>
+                  <a:srgbClr val="008000"/>
+                </a:solidFill>
+                <a:latin typeface="Courier New"/>
+              </a:rPr>
+              <a:t>print</a:t>
+            </a:r>
+            <a:r>
+              <a:rPr b="0" lang="en-US" sz="1500" spc="-1" strike="noStrike">
+                <a:solidFill>
+                  <a:schemeClr val="dk1"/>
+                </a:solidFill>
+                <a:latin typeface="Courier New"/>
+              </a:rPr>
+              <a:t>(</a:t>
+            </a:r>
+            <a:r>
+              <a:rPr b="0" lang="en-US" sz="1500" spc="-1" strike="noStrike">
+                <a:solidFill>
+                  <a:srgbClr val="4070a0"/>
+                </a:solidFill>
+                <a:latin typeface="Courier New"/>
+              </a:rPr>
+              <a:t>"Config :"</a:t>
+            </a:r>
+            <a:r>
+              <a:rPr b="0" lang="en-US" sz="1500" spc="-1" strike="noStrike">
+                <a:solidFill>
+                  <a:schemeClr val="dk1"/>
+                </a:solidFill>
+                <a:latin typeface="Courier New"/>
+              </a:rPr>
+              <a:t>, config)</a:t>
+            </a:r>
+            <a:br>
+              <a:rPr sz="1500"/>
+            </a:br>
+            <a:br>
+              <a:rPr sz="1500"/>
+            </a:br>
+            <a:r>
+              <a:rPr b="0" lang="en-US" sz="1500" spc="-1" strike="noStrike">
+                <a:solidFill>
+                  <a:schemeClr val="dk1"/>
+                </a:solidFill>
+                <a:latin typeface="Courier New"/>
+              </a:rPr>
+              <a:t>s, p, d </a:t>
+            </a:r>
+            <a:r>
+              <a:rPr b="0" lang="en-US" sz="1500" spc="-1" strike="noStrike">
+                <a:solidFill>
+                  <a:srgbClr val="666666"/>
+                </a:solidFill>
+                <a:latin typeface="Courier New"/>
+              </a:rPr>
+              <a:t>=</a:t>
+            </a:r>
+            <a:r>
+              <a:rPr b="0" lang="en-US" sz="1500" spc="-1" strike="noStrike">
+                <a:solidFill>
+                  <a:schemeClr val="dk1"/>
+                </a:solidFill>
+                <a:latin typeface="Courier New"/>
+              </a:rPr>
+              <a:t> calcul_stats(</a:t>
+            </a:r>
+            <a:r>
+              <a:rPr b="0" lang="en-US" sz="1500" spc="-1" strike="noStrike">
+                <a:solidFill>
+                  <a:srgbClr val="40a070"/>
+                </a:solidFill>
+                <a:latin typeface="Courier New"/>
+              </a:rPr>
+              <a:t>5</a:t>
+            </a:r>
+            <a:r>
+              <a:rPr b="0" lang="en-US" sz="1500" spc="-1" strike="noStrike">
+                <a:solidFill>
+                  <a:schemeClr val="dk1"/>
+                </a:solidFill>
+                <a:latin typeface="Courier New"/>
+              </a:rPr>
+              <a:t>, </a:t>
+            </a:r>
+            <a:r>
+              <a:rPr b="0" lang="en-US" sz="1500" spc="-1" strike="noStrike">
+                <a:solidFill>
+                  <a:srgbClr val="40a070"/>
+                </a:solidFill>
+                <a:latin typeface="Courier New"/>
+              </a:rPr>
+              <a:t>3</a:t>
+            </a:r>
+            <a:r>
+              <a:rPr b="0" lang="en-US" sz="1500" spc="-1" strike="noStrike">
+                <a:solidFill>
+                  <a:schemeClr val="dk1"/>
+                </a:solidFill>
+                <a:latin typeface="Courier New"/>
+              </a:rPr>
+              <a:t>)</a:t>
+            </a:r>
+            <a:br>
+              <a:rPr sz="1500"/>
+            </a:br>
+            <a:r>
+              <a:rPr b="0" lang="en-US" sz="1500" spc="-1" strike="noStrike">
+                <a:solidFill>
+                  <a:srgbClr val="008000"/>
+                </a:solidFill>
+                <a:latin typeface="Courier New"/>
+              </a:rPr>
+              <a:t>print</a:t>
+            </a:r>
+            <a:r>
+              <a:rPr b="0" lang="en-US" sz="1500" spc="-1" strike="noStrike">
+                <a:solidFill>
+                  <a:schemeClr val="dk1"/>
+                </a:solidFill>
+                <a:latin typeface="Courier New"/>
+              </a:rPr>
+              <a:t>(</a:t>
+            </a:r>
+            <a:r>
+              <a:rPr b="0" lang="en-US" sz="1500" spc="-1" strike="noStrike">
+                <a:solidFill>
+                  <a:srgbClr val="bb6688"/>
+                </a:solidFill>
+                <a:latin typeface="Courier New"/>
+              </a:rPr>
+              <a:t>f"Somme=</a:t>
+            </a:r>
+            <a:r>
+              <a:rPr b="0" lang="en-US" sz="1500" spc="-1" strike="noStrike">
+                <a:solidFill>
+                  <a:srgbClr val="4070a0"/>
+                </a:solidFill>
+                <a:latin typeface="Courier New"/>
+              </a:rPr>
+              <a:t>{</a:t>
+            </a:r>
+            <a:r>
+              <a:rPr b="0" lang="en-US" sz="1500" spc="-1" strike="noStrike">
+                <a:solidFill>
+                  <a:schemeClr val="dk1"/>
+                </a:solidFill>
+                <a:latin typeface="Courier New"/>
+              </a:rPr>
+              <a:t>s</a:t>
+            </a:r>
+            <a:r>
+              <a:rPr b="0" lang="en-US" sz="1500" spc="-1" strike="noStrike">
+                <a:solidFill>
+                  <a:srgbClr val="4070a0"/>
+                </a:solidFill>
+                <a:latin typeface="Courier New"/>
+              </a:rPr>
+              <a:t>}</a:t>
+            </a:r>
+            <a:r>
+              <a:rPr b="0" lang="en-US" sz="1500" spc="-1" strike="noStrike">
+                <a:solidFill>
+                  <a:srgbClr val="bb6688"/>
+                </a:solidFill>
+                <a:latin typeface="Courier New"/>
+              </a:rPr>
+              <a:t>, Produit=</a:t>
+            </a:r>
+            <a:r>
+              <a:rPr b="0" lang="en-US" sz="1500" spc="-1" strike="noStrike">
+                <a:solidFill>
+                  <a:srgbClr val="4070a0"/>
+                </a:solidFill>
+                <a:latin typeface="Courier New"/>
+              </a:rPr>
+              <a:t>{</a:t>
+            </a:r>
+            <a:r>
+              <a:rPr b="0" lang="en-US" sz="1500" spc="-1" strike="noStrike">
+                <a:solidFill>
+                  <a:schemeClr val="dk1"/>
+                </a:solidFill>
+                <a:latin typeface="Courier New"/>
+              </a:rPr>
+              <a:t>p</a:t>
+            </a:r>
+            <a:r>
+              <a:rPr b="0" lang="en-US" sz="1500" spc="-1" strike="noStrike">
+                <a:solidFill>
+                  <a:srgbClr val="4070a0"/>
+                </a:solidFill>
+                <a:latin typeface="Courier New"/>
+              </a:rPr>
+              <a:t>}</a:t>
+            </a:r>
+            <a:r>
+              <a:rPr b="0" lang="en-US" sz="1500" spc="-1" strike="noStrike">
+                <a:solidFill>
+                  <a:srgbClr val="bb6688"/>
+                </a:solidFill>
+                <a:latin typeface="Courier New"/>
+              </a:rPr>
+              <a:t>, Diff=</a:t>
+            </a:r>
+            <a:r>
+              <a:rPr b="0" lang="en-US" sz="1500" spc="-1" strike="noStrike">
+                <a:solidFill>
+                  <a:srgbClr val="4070a0"/>
+                </a:solidFill>
+                <a:latin typeface="Courier New"/>
+              </a:rPr>
+              <a:t>{</a:t>
+            </a:r>
+            <a:r>
+              <a:rPr b="0" lang="en-US" sz="1500" spc="-1" strike="noStrike">
+                <a:solidFill>
+                  <a:schemeClr val="dk1"/>
+                </a:solidFill>
+                <a:latin typeface="Courier New"/>
+              </a:rPr>
+              <a:t>d</a:t>
+            </a:r>
+            <a:r>
+              <a:rPr b="0" lang="en-US" sz="1500" spc="-1" strike="noStrike">
+                <a:solidFill>
+                  <a:srgbClr val="4070a0"/>
+                </a:solidFill>
+                <a:latin typeface="Courier New"/>
+              </a:rPr>
+              <a:t>}</a:t>
+            </a:r>
+            <a:r>
+              <a:rPr b="0" lang="en-US" sz="1500" spc="-1" strike="noStrike">
+                <a:solidFill>
+                  <a:srgbClr val="bb6688"/>
+                </a:solidFill>
+                <a:latin typeface="Courier New"/>
+              </a:rPr>
+              <a:t>"</a:t>
+            </a:r>
+            <a:r>
+              <a:rPr b="0" lang="en-US" sz="1500" spc="-1" strike="noStrike">
+                <a:solidFill>
+                  <a:schemeClr val="dk1"/>
+                </a:solidFill>
+                <a:latin typeface="Courier New"/>
+              </a:rPr>
+              <a:t>)</a:t>
+            </a:r>
+            <a:br>
+              <a:rPr sz="1500"/>
+            </a:br>
+            <a:br>
+              <a:rPr sz="1500"/>
+            </a:br>
+            <a:r>
+              <a:rPr b="0" lang="en-US" sz="1500" spc="-1" strike="noStrike">
+                <a:solidFill>
+                  <a:schemeClr val="dk1"/>
+                </a:solidFill>
+                <a:latin typeface="Courier New"/>
+              </a:rPr>
+              <a:t>compte_a_rebours(</a:t>
+            </a:r>
+            <a:r>
+              <a:rPr b="0" lang="en-US" sz="1500" spc="-1" strike="noStrike">
+                <a:solidFill>
+                  <a:srgbClr val="40a070"/>
+                </a:solidFill>
+                <a:latin typeface="Courier New"/>
+              </a:rPr>
+              <a:t>5</a:t>
+            </a:r>
+            <a:r>
+              <a:rPr b="0" lang="en-US" sz="1500" spc="-1" strike="noStrike">
+                <a:solidFill>
+                  <a:schemeClr val="dk1"/>
+                </a:solidFill>
+                <a:latin typeface="Courier New"/>
+              </a:rPr>
+              <a:t>)</a:t>
+            </a:r>
+            <a:endParaRPr b="0" lang="en-US" sz="1500" spc="-1" strike="noStrike">
+              <a:solidFill>
+                <a:schemeClr val="dk1"/>
+              </a:solidFill>
+              <a:latin typeface="Calibri"/>
+            </a:endParaRPr>
+          </a:p>
+        </p:txBody>
+      </p:sp>
+    </p:spTree>
+  </p:cSld>
+  <mc:AlternateContent>
+    <mc:Choice Requires="p14">
+      <p:transition spd="slow" p14:dur="2000"/>
+    </mc:Choice>
+    <mc:Fallback>
+      <p:transition spd="slow"/>
+    </mc:Fallback>
+  </mc:AlternateContent>
+</p:sld>
+</file>
+
+<file path=ppt/slides/slide12.xml><?xml version="1.0" encoding="utf-8"?>
+<p:sld xmlns:a="http://schemas.openxmlformats.org/drawingml/2006/main" xmlns:p="http://schemas.openxmlformats.org/presentationml/2006/main" xmlns:r="http://schemas.openxmlformats.org/officeDocument/2006/relationships" xmlns:p14="http://schemas.microsoft.com/office/powerpoint/2010/main" xmlns:p15="http://schemas.microsoft.com/office/powerpoint/2012/main" xmlns:mc="http://schemas.openxmlformats.org/markup-compatibility/2006">
+  <p:cSld>
+    <p:spTree>
+      <p:nvGrpSpPr>
+        <p:cNvPr id="1" name=""/>
+        <p:cNvGrpSpPr/>
+        <p:nvPr/>
+      </p:nvGrpSpPr>
+      <p:grpSpPr>
+        <a:xfrm>
+          <a:off x="0" y="0"/>
+          <a:ext cx="0" cy="0"/>
+          <a:chOff x="0" y="0"/>
+          <a:chExt cx="0" cy="0"/>
+        </a:xfrm>
+      </p:grpSpPr>
+      <p:sp>
+        <p:nvSpPr>
+          <p:cNvPr id="86" name="PlaceHolder 1"/>
+          <p:cNvSpPr>
+            <a:spLocks noGrp="1"/>
+          </p:cNvSpPr>
+          <p:nvPr>
+            <p:ph type="title"/>
+          </p:nvPr>
+        </p:nvSpPr>
+        <p:spPr>
+          <a:xfrm>
+            <a:off x="457200" y="205920"/>
+            <a:ext cx="8229240" cy="856800"/>
+          </a:xfrm>
+          <a:prstGeom prst="rect">
+            <a:avLst/>
+          </a:prstGeom>
+          <a:noFill/>
+          <a:ln w="0">
+            <a:noFill/>
+          </a:ln>
+        </p:spPr>
+        <p:txBody>
+          <a:bodyPr lIns="91440" rIns="91440" tIns="45720" bIns="45720" anchor="ctr">
+            <a:noAutofit/>
+          </a:bodyPr>
+          <a:p>
+            <a:pPr indent="0" algn="ctr" defTabSz="343080">
+              <a:lnSpc>
+                <a:spcPct val="100000"/>
+              </a:lnSpc>
+              <a:buNone/>
+              <a:tabLst>
+                <a:tab algn="l" pos="0"/>
+              </a:tabLst>
+            </a:pPr>
+            <a:r>
+              <a:rPr b="0" lang="en-US" sz="3300" spc="-1" strike="noStrike">
+                <a:solidFill>
+                  <a:schemeClr val="dk1"/>
+                </a:solidFill>
+                <a:latin typeface="Calibri"/>
+              </a:rPr>
+              <a:t>8. Mini-exos</a:t>
+            </a:r>
+            <a:endParaRPr b="0" lang="en-US" sz="3300" spc="-1" strike="noStrike">
+              <a:solidFill>
+                <a:schemeClr val="dk1"/>
+              </a:solidFill>
+              <a:latin typeface="Calibri"/>
+            </a:endParaRPr>
+          </a:p>
+        </p:txBody>
+      </p:sp>
+      <p:sp>
+        <p:nvSpPr>
+          <p:cNvPr id="87" name="PlaceHolder 2"/>
+          <p:cNvSpPr>
+            <a:spLocks noGrp="1"/>
+          </p:cNvSpPr>
+          <p:nvPr>
             <p:ph/>
           </p:nvPr>
         </p:nvSpPr>
@@ -6721,53 +7717,6 @@
             <a:noAutofit/>
           </a:bodyPr>
           <a:p>
-            <a:pPr indent="0" defTabSz="343080">
-              <a:lnSpc>
-                <a:spcPct val="100000"/>
-              </a:lnSpc>
-              <a:spcBef>
-                <a:spcPts val="479"/>
-              </a:spcBef>
-              <a:buNone/>
-              <a:tabLst>
-                <a:tab algn="l" pos="0"/>
-              </a:tabLst>
-            </a:pPr>
-            <a:r>
-              <a:rPr b="0" lang="en-US" sz="2400" spc="-1" strike="noStrike">
-                <a:solidFill>
-                  <a:schemeClr val="dk1"/>
-                </a:solidFill>
-                <a:latin typeface="Calibri"/>
-              </a:rPr>
-              <a:t>Si tu veux, je peux te préparer </a:t>
-            </a:r>
-            <a:r>
-              <a:rPr b="1" lang="en-US" sz="2400" spc="-1" strike="noStrike">
-                <a:solidFill>
-                  <a:schemeClr val="dk1"/>
-                </a:solidFill>
-                <a:latin typeface="Calibri"/>
-              </a:rPr>
-              <a:t>un schéma visuel</a:t>
-            </a:r>
-            <a:r>
-              <a:rPr b="0" lang="en-US" sz="2400" spc="-1" strike="noStrike">
-                <a:solidFill>
-                  <a:schemeClr val="dk1"/>
-                </a:solidFill>
-                <a:latin typeface="Calibri"/>
-              </a:rPr>
-              <a:t> qui montre :</a:t>
-            </a:r>
-            <a:endParaRPr b="0" lang="en-US" sz="2400" spc="-1" strike="noStrike">
-              <a:solidFill>
-                <a:schemeClr val="dk1"/>
-              </a:solidFill>
-              <a:latin typeface="Calibri"/>
-            </a:endParaRPr>
-          </a:p>
-          <a:p>
             <a:pPr marL="343080" indent="-343080" defTabSz="343080">
               <a:lnSpc>
                 <a:spcPct val="100000"/>
@@ -6779,10 +7728,7 @@
                 <a:srgbClr val="000000"/>
               </a:buClr>
               <a:buFont typeface="Arial"/>
-              <a:buChar char="•"/>
-              <a:tabLst>
-                <a:tab algn="l" pos="0"/>
-              </a:tabLst>
+              <a:buAutoNum type="arabicPeriod"/>
             </a:pPr>
             <a:r>
               <a:rPr b="0" lang="en-US" sz="2400" spc="-1" strike="noStrike">
@@ -6791,7 +7737,25 @@
                 </a:solidFill>
                 <a:latin typeface="Calibri"/>
               </a:rPr>
-              <a:t>les types de base,</a:t>
+              <a:t>Créer une fonction </a:t>
+            </a:r>
+            <a:r>
+              <a:rPr b="0" lang="en-US" sz="2400" spc="-1" strike="noStrike">
+                <a:solidFill>
+                  <a:schemeClr val="dk1"/>
+                </a:solidFill>
+                <a:latin typeface="Courier New"/>
+              </a:rPr>
+              <a:t>max_et_min</a:t>
+            </a:r>
+            <a:r>
+              <a:rPr b="0" lang="en-US" sz="2400" spc="-1" strike="noStrike">
+                <a:solidFill>
+                  <a:schemeClr val="dk1"/>
+                </a:solidFill>
+                <a:latin typeface="Calibri"/>
+              </a:rPr>
+              <a:t> qui retourne le plus grand et le plus petit nombre d’une liste.</a:t>
             </a:r>
             <a:endParaRPr b="0" lang="en-US" sz="2400" spc="-1" strike="noStrike">
               <a:solidFill>
@@ -6812,10 +7776,7 @@
                 <a:srgbClr val="000000"/>
               </a:buClr>
               <a:buFont typeface="Arial"/>
-              <a:buChar char="•"/>
-              <a:tabLst>
-                <a:tab algn="l" pos="0"/>
-              </a:tabLst>
+              <a:buAutoNum type="arabicPeriod"/>
             </a:pPr>
             <a:r>
               <a:rPr b="0" lang="en-US" sz="2400" spc="-1" strike="noStrike">
@@ -6824,7 +7785,25 @@
                 </a:solidFill>
                 <a:latin typeface="Calibri"/>
               </a:rPr>
-              <a:t>le flux d’une fonction récursive,</a:t>
+              <a:t>Créer une fonction récursive </a:t>
+            </a:r>
+            <a:r>
+              <a:rPr b="0" lang="en-US" sz="2400" spc="-1" strike="noStrike">
+                <a:solidFill>
+                  <a:schemeClr val="dk1"/>
+                </a:solidFill>
+                <a:latin typeface="Courier New"/>
+              </a:rPr>
+              <a:t>somme_liste</a:t>
+            </a:r>
+            <a:r>
+              <a:rPr b="0" lang="en-US" sz="2400" spc="-1" strike="noStrike">
+                <a:solidFill>
+                  <a:schemeClr val="dk1"/>
+                </a:solidFill>
+                <a:latin typeface="Calibri"/>
+              </a:rPr>
+              <a:t> qui additionne tous les éléments d’une liste.</a:t>
             </a:r>
             <a:endParaRPr b="0" lang="en-US" sz="2400" spc="-1" strike="noStrike">
               <a:solidFill>
@@ -6845,10 +7824,7 @@
                 <a:srgbClr val="000000"/>
               </a:buClr>
               <a:buFont typeface="Arial"/>
-              <a:buChar char="•"/>
-              <a:tabLst>
-                <a:tab algn="l" pos="0"/>
-              </a:tabLst>
+              <a:buAutoNum type="arabicPeriod"/>
             </a:pPr>
             <a:r>
               <a:rPr b="0" lang="en-US" sz="2400" spc="-1" strike="noStrike">
@@ -6857,7 +7833,7 @@
                 </a:solidFill>
                 <a:latin typeface="Calibri"/>
               </a:rPr>
-              <a:t>la boucle </a:t>
+              <a:t>Modifier </a:t>
             </a:r>
             <a:r>
               <a:rPr b="0" lang="en-US" sz="2400" spc="-1" strike="noStrike">
@@ -6866,7 +7842,7 @@
                 </a:solidFill>
                 <a:latin typeface="Courier New"/>
               </a:rPr>
-              <a:t>for</a:t>
+              <a:t>config.txt</a:t>
             </a:r>
             <a:r>
               <a:rPr b="0" lang="en-US" sz="2400" spc="-1" strike="noStrike">
@@ -6875,7 +7851,7 @@
                 </a:solidFill>
                 <a:latin typeface="Calibri"/>
               </a:rPr>
-              <a:t> et </a:t>
+              <a:t> pour y ajouter une clé </a:t>
             </a:r>
             <a:r>
               <a:rPr b="0" lang="en-US" sz="2400" spc="-1" strike="noStrike">
@@ -6884,7 +7860,7 @@
                 </a:solidFill>
                 <a:latin typeface="Courier New"/>
               </a:rPr>
-              <a:t>while</a:t>
+              <a:t>theme=clair</a:t>
             </a:r>
             <a:r>
               <a:rPr b="0" lang="en-US" sz="2400" spc="-1" strike="noStrike">
@@ -6893,36 +7869,7 @@
                 </a:solidFill>
                 <a:latin typeface="Calibri"/>
               </a:rPr>
-              <a:t>.</a:t>
-            </a:r>
-            <a:endParaRPr b="0" lang="en-US" sz="2400" spc="-1" strike="noStrike">
-              <a:solidFill>
-                <a:schemeClr val="dk1"/>
-              </a:solidFill>
-              <a:latin typeface="Calibri"/>
-            </a:endParaRPr>
-          </a:p>
-          <a:p>
-            <a:pPr indent="0" defTabSz="343080">
-              <a:lnSpc>
-                <a:spcPct val="100000"/>
-              </a:lnSpc>
-              <a:spcBef>
-                <a:spcPts val="479"/>
-              </a:spcBef>
-              <a:buNone/>
-              <a:tabLst>
-                <a:tab algn="l" pos="0"/>
-              </a:tabLst>
-            </a:pPr>
-            <a:r>
-              <a:rPr b="0" lang="en-US" sz="2400" spc="-1" strike="noStrike">
-                <a:solidFill>
-                  <a:schemeClr val="dk1"/>
-                </a:solidFill>
-                <a:latin typeface="Calibri"/>
-              </a:rPr>
-              <a:t>Ça rendrait cette leçon plus claire et accrocheuse. Veux-tu que je te fasse ce schéma pour le Jour 3 ?</a:t>
+              <a:t> et afficher sa valeur.</a:t>
             </a:r>
             <a:endParaRPr b="0" lang="en-US" sz="2400" spc="-1" strike="noStrike">
               <a:solidFill>
@@ -8322,16 +9269,7 @@
                 </a:solidFill>
                 <a:latin typeface="Calibri"/>
               </a:rPr>
-              <a:t> le type attendu dans la définition de </a:t>
-            </a:r>
-            <a:r>
-              <a:rPr b="0" lang="en-US" sz="2000" spc="-1" strike="noStrike">
-                <a:solidFill>
-                  <a:schemeClr val="dk1"/>
-                </a:solidFill>
-                <a:latin typeface="Calibri"/>
-              </a:rPr>
-              <a:t>la fonction (ce n’est pas obligatoire mais c’est plus clair) :</a:t>
+              <a:t> le type attendu dans la définition de la fonction (ce n’est pas obligatoire mais c’est plus clair) :</a:t>
             </a:r>
             <a:endParaRPr b="0" lang="en-US" sz="2000" spc="-1" strike="noStrike">
               <a:solidFill>
@@ -8707,16 +9645,7 @@
                 </a:solidFill>
                 <a:latin typeface="Calibri"/>
               </a:rPr>
-              <a:t>Python ne bloque pas si on met un mauvais type, mais </a:t>
-            </a:r>
-            <a:r>
-              <a:rPr b="0" lang="en-US" sz="2000" spc="-1" strike="noStrike">
-                <a:solidFill>
-                  <a:schemeClr val="dk1"/>
-                </a:solidFill>
-                <a:latin typeface="Calibri"/>
-              </a:rPr>
-              <a:t>l’éditeur/IDE peut prévenir.</a:t>
+              <a:t>Python ne bloque pas si on met un mauvais type, mais l’éditeur/IDE peut prévenir.</a:t>
             </a:r>
             <a:endParaRPr b="0" lang="en-US" sz="2000" spc="-1" strike="noStrike">
               <a:solidFill>
@@ -8900,7 +9829,7 @@
               </a:tabLst>
             </a:pPr>
             <a:r>
-              <a:rPr b="1" lang="en-US" sz="2400" spc="-1" strike="noStrike">
+              <a:rPr b="1" lang="en-US" sz="1500" spc="-1" strike="noStrike">
                 <a:solidFill>
                   <a:srgbClr val="007020"/>
                 </a:solidFill>
@@ -8909,7 +9838,7 @@
               <a:t>def</a:t>
             </a:r>
             <a:r>
-              <a:rPr b="0" lang="en-US" sz="2400" spc="-1" strike="noStrike">
+              <a:rPr b="0" lang="en-US" sz="1500" spc="-1" strike="noStrike">
                 <a:solidFill>
                   <a:schemeClr val="dk1"/>
                 </a:solidFill>
@@ -8918,7 +9847,7 @@
               <a:t> division_et_reste(a: </a:t>
             </a:r>
             <a:r>
-              <a:rPr b="0" lang="en-US" sz="2400" spc="-1" strike="noStrike">
+              <a:rPr b="0" lang="en-US" sz="1500" spc="-1" strike="noStrike">
                 <a:solidFill>
                   <a:srgbClr val="008000"/>
                 </a:solidFill>
@@ -8927,7 +9856,7 @@
               <a:t>int</a:t>
             </a:r>
             <a:r>
-              <a:rPr b="0" lang="en-US" sz="2400" spc="-1" strike="noStrike">
+              <a:rPr b="0" lang="en-US" sz="1500" spc="-1" strike="noStrike">
                 <a:solidFill>
                   <a:schemeClr val="dk1"/>
                 </a:solidFill>
@@ -8936,7 +9865,7 @@
               <a:t>, b: </a:t>
             </a:r>
             <a:r>
-              <a:rPr b="0" lang="en-US" sz="2400" spc="-1" strike="noStrike">
+              <a:rPr b="0" lang="en-US" sz="1500" spc="-1" strike="noStrike">
                 <a:solidFill>
                   <a:srgbClr val="008000"/>
                 </a:solidFill>
@@ -8945,7 +9874,7 @@
               <a:t>int</a:t>
             </a:r>
             <a:r>
-              <a:rPr b="0" lang="en-US" sz="2400" spc="-1" strike="noStrike">
+              <a:rPr b="0" lang="en-US" sz="1500" spc="-1" strike="noStrike">
                 <a:solidFill>
                   <a:schemeClr val="dk1"/>
                 </a:solidFill>
@@ -8954,7 +9883,7 @@
               <a:t>) </a:t>
             </a:r>
             <a:r>
-              <a:rPr b="0" lang="en-US" sz="2400" spc="-1" strike="noStrike">
+              <a:rPr b="0" lang="en-US" sz="1500" spc="-1" strike="noStrike">
                 <a:solidFill>
                   <a:srgbClr val="666666"/>
                 </a:solidFill>
@@ -8963,7 +9892,7 @@
               <a:t>-&gt;</a:t>
             </a:r>
             <a:r>
-              <a:rPr b="0" lang="en-US" sz="2400" spc="-1" strike="noStrike">
+              <a:rPr b="0" lang="en-US" sz="1500" spc="-1" strike="noStrike">
                 <a:solidFill>
                   <a:schemeClr val="dk1"/>
                 </a:solidFill>
@@ -8972,7 +9901,7 @@
               <a:t> </a:t>
             </a:r>
             <a:r>
-              <a:rPr b="0" lang="en-US" sz="2400" spc="-1" strike="noStrike">
+              <a:rPr b="0" lang="en-US" sz="1500" spc="-1" strike="noStrike">
                 <a:solidFill>
                   <a:srgbClr val="008000"/>
                 </a:solidFill>
@@ -8981,7 +9910,7 @@
               <a:t>tuple</a:t>
             </a:r>
             <a:r>
-              <a:rPr b="0" lang="en-US" sz="2400" spc="-1" strike="noStrike">
+              <a:rPr b="0" lang="en-US" sz="1500" spc="-1" strike="noStrike">
                 <a:solidFill>
                   <a:schemeClr val="dk1"/>
                 </a:solidFill>
@@ -8990,7 +9919,7 @@
               <a:t>[</a:t>
             </a:r>
             <a:r>
-              <a:rPr b="0" lang="en-US" sz="2400" spc="-1" strike="noStrike">
+              <a:rPr b="0" lang="en-US" sz="1500" spc="-1" strike="noStrike">
                 <a:solidFill>
                   <a:srgbClr val="008000"/>
                 </a:solidFill>
@@ -8999,7 +9928,7 @@
               <a:t>int</a:t>
             </a:r>
             <a:r>
-              <a:rPr b="0" lang="en-US" sz="2400" spc="-1" strike="noStrike">
+              <a:rPr b="0" lang="en-US" sz="1500" spc="-1" strike="noStrike">
                 <a:solidFill>
                   <a:schemeClr val="dk1"/>
                 </a:solidFill>
@@ -9008,7 +9937,7 @@
               <a:t>, </a:t>
             </a:r>
             <a:r>
-              <a:rPr b="0" lang="en-US" sz="2400" spc="-1" strike="noStrike">
+              <a:rPr b="0" lang="en-US" sz="1500" spc="-1" strike="noStrike">
                 <a:solidFill>
                   <a:srgbClr val="008000"/>
                 </a:solidFill>
@@ -9017,7 +9946,7 @@
               <a:t>int</a:t>
             </a:r>
             <a:r>
-              <a:rPr b="0" lang="en-US" sz="2400" spc="-1" strike="noStrike">
+              <a:rPr b="0" lang="en-US" sz="1500" spc="-1" strike="noStrike">
                 <a:solidFill>
                   <a:schemeClr val="dk1"/>
                 </a:solidFill>
@@ -9026,10 +9955,10 @@
               <a:t>]:</a:t>
             </a:r>
             <a:br>
-              <a:rPr sz="2400"/>
+              <a:rPr sz="1500"/>
             </a:br>
             <a:r>
-              <a:rPr b="0" lang="en-US" sz="2400" spc="-1" strike="noStrike">
+              <a:rPr b="0" lang="en-US" sz="1500" spc="-1" strike="noStrike">
                 <a:solidFill>
                   <a:schemeClr val="dk1"/>
                 </a:solidFill>
@@ -9038,7 +9967,7 @@
               <a:t>    quotient </a:t>
             </a:r>
             <a:r>
-              <a:rPr b="0" lang="en-US" sz="2400" spc="-1" strike="noStrike">
+              <a:rPr b="0" lang="en-US" sz="1500" spc="-1" strike="noStrike">
                 <a:solidFill>
                   <a:srgbClr val="666666"/>
                 </a:solidFill>
@@ -9047,7 +9976,7 @@
               <a:t>=</a:t>
             </a:r>
             <a:r>
-              <a:rPr b="0" lang="en-US" sz="2400" spc="-1" strike="noStrike">
+              <a:rPr b="0" lang="en-US" sz="1500" spc="-1" strike="noStrike">
                 <a:solidFill>
                   <a:schemeClr val="dk1"/>
                 </a:solidFill>
@@ -9056,7 +9985,7 @@
               <a:t> a </a:t>
             </a:r>
             <a:r>
-              <a:rPr b="0" lang="en-US" sz="2400" spc="-1" strike="noStrike">
+              <a:rPr b="0" lang="en-US" sz="1500" spc="-1" strike="noStrike">
                 <a:solidFill>
                   <a:srgbClr val="666666"/>
                 </a:solidFill>
@@ -9065,7 +9994,7 @@
               <a:t>//</a:t>
             </a:r>
             <a:r>
-              <a:rPr b="0" lang="en-US" sz="2400" spc="-1" strike="noStrike">
+              <a:rPr b="0" lang="en-US" sz="1500" spc="-1" strike="noStrike">
                 <a:solidFill>
                   <a:schemeClr val="dk1"/>
                 </a:solidFill>
@@ -9074,10 +10003,10 @@
               <a:t> b</a:t>
             </a:r>
             <a:br>
-              <a:rPr sz="2400"/>
+              <a:rPr sz="1500"/>
             </a:br>
             <a:r>
-              <a:rPr b="0" lang="en-US" sz="2400" spc="-1" strike="noStrike">
+              <a:rPr b="0" lang="en-US" sz="1500" spc="-1" strike="noStrike">
                 <a:solidFill>
                   <a:schemeClr val="dk1"/>
                 </a:solidFill>
@@ -9086,7 +10015,7 @@
               <a:t>    reste </a:t>
             </a:r>
             <a:r>
-              <a:rPr b="0" lang="en-US" sz="2400" spc="-1" strike="noStrike">
+              <a:rPr b="0" lang="en-US" sz="1500" spc="-1" strike="noStrike">
                 <a:solidFill>
                   <a:srgbClr val="666666"/>
                 </a:solidFill>
@@ -9095,7 +10024,7 @@
               <a:t>=</a:t>
             </a:r>
             <a:r>
-              <a:rPr b="0" lang="en-US" sz="2400" spc="-1" strike="noStrike">
+              <a:rPr b="0" lang="en-US" sz="1500" spc="-1" strike="noStrike">
                 <a:solidFill>
                   <a:schemeClr val="dk1"/>
                 </a:solidFill>
@@ -9104,7 +10033,7 @@
               <a:t> a </a:t>
             </a:r>
             <a:r>
-              <a:rPr b="0" lang="en-US" sz="2400" spc="-1" strike="noStrike">
+              <a:rPr b="0" lang="en-US" sz="1500" spc="-1" strike="noStrike">
                 <a:solidFill>
                   <a:srgbClr val="666666"/>
                 </a:solidFill>
@@ -9113,7 +10042,7 @@
               <a:t>%</a:t>
             </a:r>
             <a:r>
-              <a:rPr b="0" lang="en-US" sz="2400" spc="-1" strike="noStrike">
+              <a:rPr b="0" lang="en-US" sz="1500" spc="-1" strike="noStrike">
                 <a:solidFill>
                   <a:schemeClr val="dk1"/>
                 </a:solidFill>
@@ -9122,10 +10051,10 @@
               <a:t> b</a:t>
             </a:r>
             <a:br>
-              <a:rPr sz="2400"/>
+              <a:rPr sz="1500"/>
             </a:br>
             <a:r>
-              <a:rPr b="0" lang="en-US" sz="2400" spc="-1" strike="noStrike">
+              <a:rPr b="0" lang="en-US" sz="1500" spc="-1" strike="noStrike">
                 <a:solidFill>
                   <a:schemeClr val="dk1"/>
                 </a:solidFill>
@@ -9134,7 +10063,7 @@
               <a:t>    </a:t>
             </a:r>
             <a:r>
-              <a:rPr b="1" lang="en-US" sz="2400" spc="-1" strike="noStrike">
+              <a:rPr b="1" lang="en-US" sz="1500" spc="-1" strike="noStrike">
                 <a:solidFill>
                   <a:srgbClr val="007020"/>
                 </a:solidFill>
@@ -9143,7 +10072,7 @@
               <a:t>return</a:t>
             </a:r>
             <a:r>
-              <a:rPr b="0" lang="en-US" sz="2400" spc="-1" strike="noStrike">
+              <a:rPr b="0" lang="en-US" sz="1500" spc="-1" strike="noStrike">
                 <a:solidFill>
                   <a:schemeClr val="dk1"/>
                 </a:solidFill>
@@ -9152,13 +10081,13 @@
               <a:t> quotient, reste</a:t>
             </a:r>
             <a:br>
-              <a:rPr sz="2400"/>
+              <a:rPr sz="1500"/>
             </a:br>
             <a:br>
-              <a:rPr sz="2400"/>
+              <a:rPr sz="1500"/>
             </a:br>
             <a:r>
-              <a:rPr b="0" lang="en-US" sz="2400" spc="-1" strike="noStrike">
+              <a:rPr b="0" lang="en-US" sz="1500" spc="-1" strike="noStrike">
                 <a:solidFill>
                   <a:schemeClr val="dk1"/>
                 </a:solidFill>
@@ -9167,7 +10096,7 @@
               <a:t>q, r </a:t>
             </a:r>
             <a:r>
-              <a:rPr b="0" lang="en-US" sz="2400" spc="-1" strike="noStrike">
+              <a:rPr b="0" lang="en-US" sz="1500" spc="-1" strike="noStrike">
                 <a:solidFill>
                   <a:srgbClr val="666666"/>
                 </a:solidFill>
@@ -9176,7 +10105,7 @@
               <a:t>=</a:t>
             </a:r>
             <a:r>
-              <a:rPr b="0" lang="en-US" sz="2400" spc="-1" strike="noStrike">
+              <a:rPr b="0" lang="en-US" sz="1500" spc="-1" strike="noStrike">
                 <a:solidFill>
                   <a:schemeClr val="dk1"/>
                 </a:solidFill>
@@ -9185,7 +10114,7 @@
               <a:t> division_et_reste(</a:t>
             </a:r>
             <a:r>
-              <a:rPr b="0" lang="en-US" sz="2400" spc="-1" strike="noStrike">
+              <a:rPr b="0" lang="en-US" sz="1500" spc="-1" strike="noStrike">
                 <a:solidFill>
                   <a:srgbClr val="40a070"/>
                 </a:solidFill>
@@ -9194,7 +10123,7 @@
               <a:t>17</a:t>
             </a:r>
             <a:r>
-              <a:rPr b="0" lang="en-US" sz="2400" spc="-1" strike="noStrike">
+              <a:rPr b="0" lang="en-US" sz="1500" spc="-1" strike="noStrike">
                 <a:solidFill>
                   <a:schemeClr val="dk1"/>
                 </a:solidFill>
@@ -9203,7 +10132,7 @@
               <a:t>, </a:t>
             </a:r>
             <a:r>
-              <a:rPr b="0" lang="en-US" sz="2400" spc="-1" strike="noStrike">
+              <a:rPr b="0" lang="en-US" sz="1500" spc="-1" strike="noStrike">
                 <a:solidFill>
                   <a:srgbClr val="40a070"/>
                 </a:solidFill>
@@ -9212,7 +10141,7 @@
               <a:t>5</a:t>
             </a:r>
             <a:r>
-              <a:rPr b="0" lang="en-US" sz="2400" spc="-1" strike="noStrike">
+              <a:rPr b="0" lang="en-US" sz="1500" spc="-1" strike="noStrike">
                 <a:solidFill>
                   <a:schemeClr val="dk1"/>
                 </a:solidFill>
@@ -9221,10 +10150,10 @@
               <a:t>)</a:t>
             </a:r>
             <a:br>
-              <a:rPr sz="2400"/>
+              <a:rPr sz="1500"/>
             </a:br>
             <a:r>
-              <a:rPr b="0" lang="en-US" sz="2400" spc="-1" strike="noStrike">
+              <a:rPr b="0" lang="en-US" sz="1500" spc="-1" strike="noStrike">
                 <a:solidFill>
                   <a:srgbClr val="008000"/>
                 </a:solidFill>
@@ -9233,7 +10162,7 @@
               <a:t>print</a:t>
             </a:r>
             <a:r>
-              <a:rPr b="0" lang="en-US" sz="2400" spc="-1" strike="noStrike">
+              <a:rPr b="0" lang="en-US" sz="1500" spc="-1" strike="noStrike">
                 <a:solidFill>
                   <a:schemeClr val="dk1"/>
                 </a:solidFill>
@@ -9242,7 +10171,7 @@
               <a:t>(</a:t>
             </a:r>
             <a:r>
-              <a:rPr b="0" lang="en-US" sz="2400" spc="-1" strike="noStrike">
+              <a:rPr b="0" lang="en-US" sz="1500" spc="-1" strike="noStrike">
                 <a:solidFill>
                   <a:srgbClr val="4070a0"/>
                 </a:solidFill>
@@ -9251,7 +10180,7 @@
               <a:t>"Quotient :"</a:t>
             </a:r>
             <a:r>
-              <a:rPr b="0" lang="en-US" sz="2400" spc="-1" strike="noStrike">
+              <a:rPr b="0" lang="en-US" sz="1500" spc="-1" strike="noStrike">
                 <a:solidFill>
                   <a:schemeClr val="dk1"/>
                 </a:solidFill>
@@ -9260,7 +10189,7 @@
               <a:t>, q, </a:t>
             </a:r>
             <a:r>
-              <a:rPr b="0" lang="en-US" sz="2400" spc="-1" strike="noStrike">
+              <a:rPr b="0" lang="en-US" sz="1500" spc="-1" strike="noStrike">
                 <a:solidFill>
                   <a:srgbClr val="4070a0"/>
                 </a:solidFill>
@@ -9269,7 +10198,7 @@
               <a:t>"| Reste :"</a:t>
             </a:r>
             <a:r>
-              <a:rPr b="0" lang="en-US" sz="2400" spc="-1" strike="noStrike">
+              <a:rPr b="0" lang="en-US" sz="1500" spc="-1" strike="noStrike">
                 <a:solidFill>
                   <a:schemeClr val="dk1"/>
                 </a:solidFill>
@@ -9277,7 +10206,7 @@
               </a:rPr>
               <a:t>, r)</a:t>
             </a:r>
-            <a:endParaRPr b="0" lang="en-US" sz="2400" spc="-1" strike="noStrike">
+            <a:endParaRPr b="0" lang="en-US" sz="1500" spc="-1" strike="noStrike">
               <a:solidFill>
                 <a:schemeClr val="dk1"/>
               </a:solidFill>
@@ -9562,7 +10491,7 @@
               </a:tabLst>
             </a:pPr>
             <a:r>
-              <a:rPr b="1" lang="en-US" sz="2400" spc="-1" strike="noStrike">
+              <a:rPr b="1" lang="en-US" sz="1500" spc="-1" strike="noStrike">
                 <a:solidFill>
                   <a:srgbClr val="007020"/>
                 </a:solidFill>
@@ -9571,7 +10500,7 @@
               <a:t>def</a:t>
             </a:r>
             <a:r>
-              <a:rPr b="0" lang="en-US" sz="2400" spc="-1" strike="noStrike">
+              <a:rPr b="0" lang="en-US" sz="1500" spc="-1" strike="noStrike">
                 <a:solidFill>
                   <a:schemeClr val="dk1"/>
                 </a:solidFill>
@@ -9580,7 +10509,7 @@
               <a:t> factorielle(n: </a:t>
             </a:r>
             <a:r>
-              <a:rPr b="0" lang="en-US" sz="2400" spc="-1" strike="noStrike">
+              <a:rPr b="0" lang="en-US" sz="1500" spc="-1" strike="noStrike">
                 <a:solidFill>
                   <a:srgbClr val="008000"/>
                 </a:solidFill>
@@ -9589,7 +10518,7 @@
               <a:t>int</a:t>
             </a:r>
             <a:r>
-              <a:rPr b="0" lang="en-US" sz="2400" spc="-1" strike="noStrike">
+              <a:rPr b="0" lang="en-US" sz="1500" spc="-1" strike="noStrike">
                 <a:solidFill>
                   <a:schemeClr val="dk1"/>
                 </a:solidFill>
@@ -9598,7 +10527,7 @@
               <a:t>) </a:t>
             </a:r>
             <a:r>
-              <a:rPr b="0" lang="en-US" sz="2400" spc="-1" strike="noStrike">
+              <a:rPr b="0" lang="en-US" sz="1500" spc="-1" strike="noStrike">
                 <a:solidFill>
                   <a:srgbClr val="666666"/>
                 </a:solidFill>
@@ -9607,7 +10536,7 @@
               <a:t>-&gt;</a:t>
             </a:r>
             <a:r>
-              <a:rPr b="0" lang="en-US" sz="2400" spc="-1" strike="noStrike">
+              <a:rPr b="0" lang="en-US" sz="1500" spc="-1" strike="noStrike">
                 <a:solidFill>
                   <a:schemeClr val="dk1"/>
                 </a:solidFill>
@@ -9616,7 +10545,7 @@
               <a:t> </a:t>
             </a:r>
             <a:r>
-              <a:rPr b="0" lang="en-US" sz="2400" spc="-1" strike="noStrike">
+              <a:rPr b="0" lang="en-US" sz="1500" spc="-1" strike="noStrike">
                 <a:solidFill>
                   <a:srgbClr val="008000"/>
                 </a:solidFill>
@@ -9625,7 +10554,7 @@
               <a:t>int</a:t>
             </a:r>
             <a:r>
-              <a:rPr b="0" lang="en-US" sz="2400" spc="-1" strike="noStrike">
+              <a:rPr b="0" lang="en-US" sz="1500" spc="-1" strike="noStrike">
                 <a:solidFill>
                   <a:schemeClr val="dk1"/>
                 </a:solidFill>
@@ -9634,10 +10563,10 @@
               <a:t>:</a:t>
             </a:r>
             <a:br>
-              <a:rPr sz="2400"/>
+              <a:rPr sz="1500"/>
             </a:br>
             <a:r>
-              <a:rPr b="0" lang="en-US" sz="2400" spc="-1" strike="noStrike">
+              <a:rPr b="0" lang="en-US" sz="1500" spc="-1" strike="noStrike">
                 <a:solidFill>
                   <a:schemeClr val="dk1"/>
                 </a:solidFill>
@@ -9646,7 +10575,7 @@
               <a:t>    </a:t>
             </a:r>
             <a:r>
-              <a:rPr b="1" lang="en-US" sz="2400" spc="-1" strike="noStrike">
+              <a:rPr b="1" lang="en-US" sz="1500" spc="-1" strike="noStrike">
                 <a:solidFill>
                   <a:srgbClr val="007020"/>
                 </a:solidFill>
@@ -9655,7 +10584,7 @@
               <a:t>if</a:t>
             </a:r>
             <a:r>
-              <a:rPr b="0" lang="en-US" sz="2400" spc="-1" strike="noStrike">
+              <a:rPr b="0" lang="en-US" sz="1500" spc="-1" strike="noStrike">
                 <a:solidFill>
                   <a:schemeClr val="dk1"/>
                 </a:solidFill>
@@ -9664,7 +10593,7 @@
               <a:t> n </a:t>
             </a:r>
             <a:r>
-              <a:rPr b="0" lang="en-US" sz="2400" spc="-1" strike="noStrike">
+              <a:rPr b="0" lang="en-US" sz="1500" spc="-1" strike="noStrike">
                 <a:solidFill>
                   <a:srgbClr val="666666"/>
                 </a:solidFill>
@@ -9673,7 +10602,7 @@
               <a:t>&lt;=</a:t>
             </a:r>
             <a:r>
-              <a:rPr b="0" lang="en-US" sz="2400" spc="-1" strike="noStrike">
+              <a:rPr b="0" lang="en-US" sz="1500" spc="-1" strike="noStrike">
                 <a:solidFill>
                   <a:schemeClr val="dk1"/>
                 </a:solidFill>
@@ -9682,7 +10611,7 @@
               <a:t> </a:t>
             </a:r>
             <a:r>
-              <a:rPr b="0" lang="en-US" sz="2400" spc="-1" strike="noStrike">
+              <a:rPr b="0" lang="en-US" sz="1500" spc="-1" strike="noStrike">
                 <a:solidFill>
                   <a:srgbClr val="40a070"/>
                 </a:solidFill>
@@ -9691,7 +10620,7 @@
               <a:t>1</a:t>
             </a:r>
             <a:r>
-              <a:rPr b="0" lang="en-US" sz="2400" spc="-1" strike="noStrike">
+              <a:rPr b="0" lang="en-US" sz="1500" spc="-1" strike="noStrike">
                 <a:solidFill>
                   <a:schemeClr val="dk1"/>
                 </a:solidFill>
@@ -9700,10 +10629,10 @@
               <a:t>:</a:t>
             </a:r>
             <a:br>
-              <a:rPr sz="2400"/>
+              <a:rPr sz="1500"/>
             </a:br>
             <a:r>
-              <a:rPr b="0" lang="en-US" sz="2400" spc="-1" strike="noStrike">
+              <a:rPr b="0" lang="en-US" sz="1500" spc="-1" strike="noStrike">
                 <a:solidFill>
                   <a:schemeClr val="dk1"/>
                 </a:solidFill>
@@ -9712,7 +10641,7 @@
               <a:t>        </a:t>
             </a:r>
             <a:r>
-              <a:rPr b="1" lang="en-US" sz="2400" spc="-1" strike="noStrike">
+              <a:rPr b="1" lang="en-US" sz="1500" spc="-1" strike="noStrike">
                 <a:solidFill>
                   <a:srgbClr val="007020"/>
                 </a:solidFill>
@@ -9721,7 +10650,7 @@
               <a:t>return</a:t>
             </a:r>
             <a:r>
-              <a:rPr b="0" lang="en-US" sz="2400" spc="-1" strike="noStrike">
+              <a:rPr b="0" lang="en-US" sz="1500" spc="-1" strike="noStrike">
                 <a:solidFill>
                   <a:schemeClr val="dk1"/>
                 </a:solidFill>
@@ -9730,7 +10659,7 @@
               <a:t> </a:t>
             </a:r>
             <a:r>
-              <a:rPr b="0" lang="en-US" sz="2400" spc="-1" strike="noStrike">
+              <a:rPr b="0" lang="en-US" sz="1500" spc="-1" strike="noStrike">
                 <a:solidFill>
                   <a:srgbClr val="40a070"/>
                 </a:solidFill>
@@ -9739,10 +10668,10 @@
               <a:t>1</a:t>
             </a:r>
             <a:br>
-              <a:rPr sz="2400"/>
+              <a:rPr sz="1500"/>
             </a:br>
             <a:r>
-              <a:rPr b="0" lang="en-US" sz="2400" spc="-1" strike="noStrike">
+              <a:rPr b="0" lang="en-US" sz="1500" spc="-1" strike="noStrike">
                 <a:solidFill>
                   <a:schemeClr val="dk1"/>
                 </a:solidFill>
@@ -9751,7 +10680,7 @@
               <a:t>    </a:t>
             </a:r>
             <a:r>
-              <a:rPr b="1" lang="en-US" sz="2400" spc="-1" strike="noStrike">
+              <a:rPr b="1" lang="en-US" sz="1500" spc="-1" strike="noStrike">
                 <a:solidFill>
                   <a:srgbClr val="007020"/>
                 </a:solidFill>
@@ -9760,7 +10689,7 @@
               <a:t>return</a:t>
             </a:r>
             <a:r>
-              <a:rPr b="0" lang="en-US" sz="2400" spc="-1" strike="noStrike">
+              <a:rPr b="0" lang="en-US" sz="1500" spc="-1" strike="noStrike">
                 <a:solidFill>
                   <a:schemeClr val="dk1"/>
                 </a:solidFill>
@@ -9769,7 +10698,7 @@
               <a:t> n </a:t>
             </a:r>
             <a:r>
-              <a:rPr b="0" lang="en-US" sz="2400" spc="-1" strike="noStrike">
+              <a:rPr b="0" lang="en-US" sz="1500" spc="-1" strike="noStrike">
                 <a:solidFill>
                   <a:srgbClr val="666666"/>
                 </a:solidFill>
@@ -9778,7 +10707,7 @@
               <a:t>*</a:t>
             </a:r>
             <a:r>
-              <a:rPr b="0" lang="en-US" sz="2400" spc="-1" strike="noStrike">
+              <a:rPr b="0" lang="en-US" sz="1500" spc="-1" strike="noStrike">
                 <a:solidFill>
                   <a:schemeClr val="dk1"/>
                 </a:solidFill>
@@ -9787,7 +10716,7 @@
               <a:t> factorielle(n </a:t>
             </a:r>
             <a:r>
-              <a:rPr b="0" lang="en-US" sz="2400" spc="-1" strike="noStrike">
+              <a:rPr b="0" lang="en-US" sz="1500" spc="-1" strike="noStrike">
                 <a:solidFill>
                   <a:srgbClr val="666666"/>
                 </a:solidFill>
@@ -9796,7 +10725,7 @@
               <a:t>-</a:t>
             </a:r>
             <a:r>
-              <a:rPr b="0" lang="en-US" sz="2400" spc="-1" strike="noStrike">
+              <a:rPr b="0" lang="en-US" sz="1500" spc="-1" strike="noStrike">
                 <a:solidFill>
                   <a:schemeClr val="dk1"/>
                 </a:solidFill>
@@ -9805,7 +10734,7 @@
               <a:t> </a:t>
             </a:r>
             <a:r>
-              <a:rPr b="0" lang="en-US" sz="2400" spc="-1" strike="noStrike">
+              <a:rPr b="0" lang="en-US" sz="1500" spc="-1" strike="noStrike">
                 <a:solidFill>
                   <a:srgbClr val="40a070"/>
                 </a:solidFill>
@@ -9814,7 +10743,7 @@
               <a:t>1</a:t>
             </a:r>
             <a:r>
-              <a:rPr b="0" lang="en-US" sz="2400" spc="-1" strike="noStrike">
+              <a:rPr b="0" lang="en-US" sz="1500" spc="-1" strike="noStrike">
                 <a:solidFill>
                   <a:schemeClr val="dk1"/>
                 </a:solidFill>
@@ -9823,13 +10752,13 @@
               <a:t>)</a:t>
             </a:r>
             <a:br>
-              <a:rPr sz="2400"/>
+              <a:rPr sz="1500"/>
             </a:br>
             <a:br>
-              <a:rPr sz="2400"/>
+              <a:rPr sz="1500"/>
             </a:br>
             <a:r>
-              <a:rPr b="0" lang="en-US" sz="2400" spc="-1" strike="noStrike">
+              <a:rPr b="0" lang="en-US" sz="1500" spc="-1" strike="noStrike">
                 <a:solidFill>
                   <a:srgbClr val="008000"/>
                 </a:solidFill>
@@ -9838,7 +10767,7 @@
               <a:t>print</a:t>
             </a:r>
             <a:r>
-              <a:rPr b="0" lang="en-US" sz="2400" spc="-1" strike="noStrike">
+              <a:rPr b="0" lang="en-US" sz="1500" spc="-1" strike="noStrike">
                 <a:solidFill>
                   <a:schemeClr val="dk1"/>
                 </a:solidFill>
@@ -9847,7 +10776,7 @@
               <a:t>(factorielle(</a:t>
             </a:r>
             <a:r>
-              <a:rPr b="0" lang="en-US" sz="2400" spc="-1" strike="noStrike">
+              <a:rPr b="0" lang="en-US" sz="1500" spc="-1" strike="noStrike">
                 <a:solidFill>
                   <a:srgbClr val="40a070"/>
                 </a:solidFill>
@@ -9856,7 +10785,7 @@
               <a:t>5</a:t>
             </a:r>
             <a:r>
-              <a:rPr b="0" lang="en-US" sz="2400" spc="-1" strike="noStrike">
+              <a:rPr b="0" lang="en-US" sz="1500" spc="-1" strike="noStrike">
                 <a:solidFill>
                   <a:schemeClr val="dk1"/>
                 </a:solidFill>
@@ -9865,7 +10794,7 @@
               <a:t>))  </a:t>
             </a:r>
             <a:r>
-              <a:rPr b="0" i="1" lang="en-US" sz="2400" spc="-1" strike="noStrike">
+              <a:rPr b="0" i="1" lang="en-US" sz="1500" spc="-1" strike="noStrike">
                 <a:solidFill>
                   <a:srgbClr val="60a0b0"/>
                 </a:solidFill>
@@ -9873,7 +10802,7 @@
               </a:rPr>
               <a:t># 120</a:t>
             </a:r>
-            <a:endParaRPr b="0" lang="en-US" sz="2400" spc="-1" strike="noStrike">
+            <a:endParaRPr b="0" lang="en-US" sz="1500" spc="-1" strike="noStrike">
               <a:solidFill>
                 <a:schemeClr val="dk1"/>
               </a:solidFill>
@@ -10131,7 +11060,7 @@
               </a:tabLst>
             </a:pPr>
             <a:r>
-              <a:rPr b="1" lang="en-US" sz="2400" spc="-1" strike="noStrike">
+              <a:rPr b="1" lang="en-US" sz="1500" spc="-1" strike="noStrike">
                 <a:solidFill>
                   <a:srgbClr val="007020"/>
                 </a:solidFill>
@@ -10140,7 +11069,7 @@
               <a:t>for</a:t>
             </a:r>
             <a:r>
-              <a:rPr b="0" lang="en-US" sz="2400" spc="-1" strike="noStrike">
+              <a:rPr b="0" lang="en-US" sz="1500" spc="-1" strike="noStrike">
                 <a:solidFill>
                   <a:schemeClr val="dk1"/>
                 </a:solidFill>
@@ -10149,7 +11078,7 @@
               <a:t> i </a:t>
             </a:r>
             <a:r>
-              <a:rPr b="1" lang="en-US" sz="2400" spc="-1" strike="noStrike">
+              <a:rPr b="1" lang="en-US" sz="1500" spc="-1" strike="noStrike">
                 <a:solidFill>
                   <a:srgbClr val="007020"/>
                 </a:solidFill>
@@ -10158,7 +11087,7 @@
               <a:t>in</a:t>
             </a:r>
             <a:r>
-              <a:rPr b="0" lang="en-US" sz="2400" spc="-1" strike="noStrike">
+              <a:rPr b="0" lang="en-US" sz="1500" spc="-1" strike="noStrike">
                 <a:solidFill>
                   <a:schemeClr val="dk1"/>
                 </a:solidFill>
@@ -10167,7 +11096,7 @@
               <a:t> </a:t>
             </a:r>
             <a:r>
-              <a:rPr b="0" lang="en-US" sz="2400" spc="-1" strike="noStrike">
+              <a:rPr b="0" lang="en-US" sz="1500" spc="-1" strike="noStrike">
                 <a:solidFill>
                   <a:srgbClr val="008000"/>
                 </a:solidFill>
@@ -10176,7 +11105,7 @@
               <a:t>range</a:t>
             </a:r>
             <a:r>
-              <a:rPr b="0" lang="en-US" sz="2400" spc="-1" strike="noStrike">
+              <a:rPr b="0" lang="en-US" sz="1500" spc="-1" strike="noStrike">
                 <a:solidFill>
                   <a:schemeClr val="dk1"/>
                 </a:solidFill>
@@ -10185,7 +11114,7 @@
               <a:t>(</a:t>
             </a:r>
             <a:r>
-              <a:rPr b="0" lang="en-US" sz="2400" spc="-1" strike="noStrike">
+              <a:rPr b="0" lang="en-US" sz="1500" spc="-1" strike="noStrike">
                 <a:solidFill>
                   <a:srgbClr val="40a070"/>
                 </a:solidFill>
@@ -10194,7 +11123,7 @@
               <a:t>5</a:t>
             </a:r>
             <a:r>
-              <a:rPr b="0" lang="en-US" sz="2400" spc="-1" strike="noStrike">
+              <a:rPr b="0" lang="en-US" sz="1500" spc="-1" strike="noStrike">
                 <a:solidFill>
                   <a:schemeClr val="dk1"/>
                 </a:solidFill>
@@ -10203,10 +11132,10 @@
               <a:t>):</a:t>
             </a:r>
             <a:br>
-              <a:rPr sz="2400"/>
+              <a:rPr sz="1500"/>
             </a:br>
             <a:r>
-              <a:rPr b="0" lang="en-US" sz="2400" spc="-1" strike="noStrike">
+              <a:rPr b="0" lang="en-US" sz="1500" spc="-1" strike="noStrike">
                 <a:solidFill>
                   <a:schemeClr val="dk1"/>
                 </a:solidFill>
@@ -10215,7 +11144,7 @@
               <a:t>    </a:t>
             </a:r>
             <a:r>
-              <a:rPr b="0" lang="en-US" sz="2400" spc="-1" strike="noStrike">
+              <a:rPr b="0" lang="en-US" sz="1500" spc="-1" strike="noStrike">
                 <a:solidFill>
                   <a:srgbClr val="008000"/>
                 </a:solidFill>
@@ -10224,7 +11153,7 @@
               <a:t>print</a:t>
             </a:r>
             <a:r>
-              <a:rPr b="0" lang="en-US" sz="2400" spc="-1" strike="noStrike">
+              <a:rPr b="0" lang="en-US" sz="1500" spc="-1" strike="noStrike">
                 <a:solidFill>
                   <a:schemeClr val="dk1"/>
                 </a:solidFill>
@@ -10233,7 +11162,7 @@
               <a:t>(i)  </a:t>
             </a:r>
             <a:r>
-              <a:rPr b="0" i="1" lang="en-US" sz="2400" spc="-1" strike="noStrike">
+              <a:rPr b="0" i="1" lang="en-US" sz="1500" spc="-1" strike="noStrike">
                 <a:solidFill>
                   <a:srgbClr val="60a0b0"/>
                 </a:solidFill>
@@ -10241,7 +11170,7 @@
               </a:rPr>
               <a:t># 0, 1, 2, 3, 4</a:t>
             </a:r>
-            <a:endParaRPr b="0" lang="en-US" sz="2400" spc="-1" strike="noStrike">
+            <a:endParaRPr b="0" lang="en-US" sz="1500" spc="-1" strike="noStrike">
               <a:solidFill>
                 <a:schemeClr val="dk1"/>
               </a:solidFill>
@@ -10329,7 +11258,7 @@
               </a:tabLst>
             </a:pPr>
             <a:r>
-              <a:rPr b="0" lang="en-US" sz="2400" spc="-1" strike="noStrike">
+              <a:rPr b="0" lang="en-US" sz="1500" spc="-1" strike="noStrike">
                 <a:solidFill>
                   <a:schemeClr val="dk1"/>
                 </a:solidFill>
@@ -10338,7 +11267,7 @@
               <a:t>x </a:t>
             </a:r>
             <a:r>
-              <a:rPr b="0" lang="en-US" sz="2400" spc="-1" strike="noStrike">
+              <a:rPr b="0" lang="en-US" sz="1500" spc="-1" strike="noStrike">
                 <a:solidFill>
                   <a:srgbClr val="666666"/>
                 </a:solidFill>
@@ -10347,7 +11276,7 @@
               <a:t>=</a:t>
             </a:r>
             <a:r>
-              <a:rPr b="0" lang="en-US" sz="2400" spc="-1" strike="noStrike">
+              <a:rPr b="0" lang="en-US" sz="1500" spc="-1" strike="noStrike">
                 <a:solidFill>
                   <a:schemeClr val="dk1"/>
                 </a:solidFill>
@@ -10356,7 +11285,7 @@
               <a:t> </a:t>
             </a:r>
             <a:r>
-              <a:rPr b="0" lang="en-US" sz="2400" spc="-1" strike="noStrike">
+              <a:rPr b="0" lang="en-US" sz="1500" spc="-1" strike="noStrike">
                 <a:solidFill>
                   <a:srgbClr val="40a070"/>
                 </a:solidFill>
@@ -10365,10 +11294,10 @@
               <a:t>0</a:t>
             </a:r>
             <a:br>
-              <a:rPr sz="2400"/>
+              <a:rPr sz="1500"/>
             </a:br>
             <a:r>
-              <a:rPr b="1" lang="en-US" sz="2400" spc="-1" strike="noStrike">
+              <a:rPr b="1" lang="en-US" sz="1500" spc="-1" strike="noStrike">
                 <a:solidFill>
                   <a:srgbClr val="007020"/>
                 </a:solidFill>
@@ -10377,7 +11306,7 @@
               <a:t>while</a:t>
             </a:r>
             <a:r>
-              <a:rPr b="0" lang="en-US" sz="2400" spc="-1" strike="noStrike">
+              <a:rPr b="0" lang="en-US" sz="1500" spc="-1" strike="noStrike">
                 <a:solidFill>
                   <a:schemeClr val="dk1"/>
                 </a:solidFill>
@@ -10386,7 +11315,7 @@
               <a:t> x </a:t>
             </a:r>
             <a:r>
-              <a:rPr b="0" lang="en-US" sz="2400" spc="-1" strike="noStrike">
+              <a:rPr b="0" lang="en-US" sz="1500" spc="-1" strike="noStrike">
                 <a:solidFill>
                   <a:srgbClr val="666666"/>
                 </a:solidFill>
@@ -10395,7 +11324,7 @@
               <a:t>&lt;</a:t>
             </a:r>
             <a:r>
-              <a:rPr b="0" lang="en-US" sz="2400" spc="-1" strike="noStrike">
+              <a:rPr b="0" lang="en-US" sz="1500" spc="-1" strike="noStrike">
                 <a:solidFill>
                   <a:schemeClr val="dk1"/>
                 </a:solidFill>
@@ -10404,7 +11333,7 @@
               <a:t> </a:t>
             </a:r>
             <a:r>
-              <a:rPr b="0" lang="en-US" sz="2400" spc="-1" strike="noStrike">
+              <a:rPr b="0" lang="en-US" sz="1500" spc="-1" strike="noStrike">
                 <a:solidFill>
                   <a:srgbClr val="40a070"/>
                 </a:solidFill>
@@ -10413,7 +11342,7 @@
               <a:t>5</a:t>
             </a:r>
             <a:r>
-              <a:rPr b="0" lang="en-US" sz="2400" spc="-1" strike="noStrike">
+              <a:rPr b="0" lang="en-US" sz="1500" spc="-1" strike="noStrike">
                 <a:solidFill>
                   <a:schemeClr val="dk1"/>
                 </a:solidFill>
@@ -10422,10 +11351,10 @@
               <a:t>:</a:t>
             </a:r>
             <a:br>
-              <a:rPr sz="2400"/>
+              <a:rPr sz="1500"/>
             </a:br>
             <a:r>
-              <a:rPr b="0" lang="en-US" sz="2400" spc="-1" strike="noStrike">
+              <a:rPr b="0" lang="en-US" sz="1500" spc="-1" strike="noStrike">
                 <a:solidFill>
                   <a:schemeClr val="dk1"/>
                 </a:solidFill>
@@ -10434,7 +11363,7 @@
               <a:t>    </a:t>
             </a:r>
             <a:r>
-              <a:rPr b="0" lang="en-US" sz="2400" spc="-1" strike="noStrike">
+              <a:rPr b="0" lang="en-US" sz="1500" spc="-1" strike="noStrike">
                 <a:solidFill>
                   <a:srgbClr val="008000"/>
                 </a:solidFill>
@@ -10443,7 +11372,7 @@
               <a:t>print</a:t>
             </a:r>
             <a:r>
-              <a:rPr b="0" lang="en-US" sz="2400" spc="-1" strike="noStrike">
+              <a:rPr b="0" lang="en-US" sz="1500" spc="-1" strike="noStrike">
                 <a:solidFill>
                   <a:schemeClr val="dk1"/>
                 </a:solidFill>
@@ -10452,10 +11381,10 @@
               <a:t>(x)</a:t>
             </a:r>
             <a:br>
-              <a:rPr sz="2400"/>
+              <a:rPr sz="1500"/>
             </a:br>
             <a:r>
-              <a:rPr b="0" lang="en-US" sz="2400" spc="-1" strike="noStrike">
+              <a:rPr b="0" lang="en-US" sz="1500" spc="-1" strike="noStrike">
                 <a:solidFill>
                   <a:schemeClr val="dk1"/>
                 </a:solidFill>
@@ -10464,7 +11393,7 @@
               <a:t>    x </a:t>
             </a:r>
             <a:r>
-              <a:rPr b="0" lang="en-US" sz="2400" spc="-1" strike="noStrike">
+              <a:rPr b="0" lang="en-US" sz="1500" spc="-1" strike="noStrike">
                 <a:solidFill>
                   <a:srgbClr val="666666"/>
                 </a:solidFill>
@@ -10473,7 +11402,7 @@
               <a:t>+=</a:t>
             </a:r>
             <a:r>
-              <a:rPr b="0" lang="en-US" sz="2400" spc="-1" strike="noStrike">
+              <a:rPr b="0" lang="en-US" sz="1500" spc="-1" strike="noStrike">
                 <a:solidFill>
                   <a:schemeClr val="dk1"/>
                 </a:solidFill>
@@ -10482,7 +11411,7 @@
               <a:t> </a:t>
             </a:r>
             <a:r>
-              <a:rPr b="0" lang="en-US" sz="2400" spc="-1" strike="noStrike">
+              <a:rPr b="0" lang="en-US" sz="1500" spc="-1" strike="noStrike">
                 <a:solidFill>
                   <a:srgbClr val="40a070"/>
                 </a:solidFill>
@@ -10490,7 +11419,7 @@
               </a:rPr>
               <a:t>1</a:t>
             </a:r>
-            <a:endParaRPr b="0" lang="en-US" sz="2400" spc="-1" strike="noStrike">
+            <a:endParaRPr b="0" lang="en-US" sz="1500" spc="-1" strike="noStrike">
               <a:solidFill>
                 <a:schemeClr val="dk1"/>
               </a:solidFill>
@@ -12396,7 +13325,7 @@
         </p:nvSpPr>
         <p:spPr>
           <a:xfrm>
-            <a:off x="457200" y="1200240"/>
+            <a:off x="457560" y="1406520"/>
             <a:ext cx="8229240" cy="3394080"/>
           </a:xfrm>
           <a:prstGeom prst="rect">
@@ -12425,7 +13354,7 @@
               </a:tabLst>
             </a:pPr>
             <a:r>
-              <a:rPr b="0" i="1" lang="en-US" sz="2400" spc="-1" strike="noStrike">
+              <a:rPr b="0" i="1" lang="en-US" sz="1500" spc="-1" strike="noStrike">
                 <a:solidFill>
                   <a:srgbClr val="60a0b0"/>
                 </a:solidFill>
@@ -12434,10 +13363,10 @@
               <a:t># Lecture config</a:t>
             </a:r>
             <a:br>
-              <a:rPr sz="2400"/>
+              <a:rPr sz="1500"/>
             </a:br>
             <a:r>
-              <a:rPr b="1" lang="en-US" sz="2400" spc="-1" strike="noStrike">
+              <a:rPr b="1" lang="en-US" sz="1500" spc="-1" strike="noStrike">
                 <a:solidFill>
                   <a:srgbClr val="007020"/>
                 </a:solidFill>
@@ -12446,7 +13375,7 @@
               <a:t>def</a:t>
             </a:r>
             <a:r>
-              <a:rPr b="0" lang="en-US" sz="2400" spc="-1" strike="noStrike">
+              <a:rPr b="0" lang="en-US" sz="1500" spc="-1" strike="noStrike">
                 <a:solidFill>
                   <a:schemeClr val="dk1"/>
                 </a:solidFill>
@@ -12455,7 +13384,7 @@
               <a:t> lire_config() </a:t>
             </a:r>
             <a:r>
-              <a:rPr b="0" lang="en-US" sz="2400" spc="-1" strike="noStrike">
+              <a:rPr b="0" lang="en-US" sz="1500" spc="-1" strike="noStrike">
                 <a:solidFill>
                   <a:srgbClr val="666666"/>
                 </a:solidFill>
@@ -12464,7 +13393,7 @@
               <a:t>-&gt;</a:t>
             </a:r>
             <a:r>
-              <a:rPr b="0" lang="en-US" sz="2400" spc="-1" strike="noStrike">
+              <a:rPr b="0" lang="en-US" sz="1500" spc="-1" strike="noStrike">
                 <a:solidFill>
                   <a:schemeClr val="dk1"/>
                 </a:solidFill>
@@ -12473,7 +13402,7 @@
               <a:t> </a:t>
             </a:r>
             <a:r>
-              <a:rPr b="0" lang="en-US" sz="2400" spc="-1" strike="noStrike">
+              <a:rPr b="0" lang="en-US" sz="1500" spc="-1" strike="noStrike">
                 <a:solidFill>
                   <a:srgbClr val="008000"/>
                 </a:solidFill>
@@ -12482,7 +13411,7 @@
               <a:t>dict</a:t>
             </a:r>
             <a:r>
-              <a:rPr b="0" lang="en-US" sz="2400" spc="-1" strike="noStrike">
+              <a:rPr b="0" lang="en-US" sz="1500" spc="-1" strike="noStrike">
                 <a:solidFill>
                   <a:schemeClr val="dk1"/>
                 </a:solidFill>
@@ -12491,10 +13420,10 @@
               <a:t>:</a:t>
             </a:r>
             <a:br>
-              <a:rPr sz="2400"/>
+              <a:rPr sz="1500"/>
             </a:br>
             <a:r>
-              <a:rPr b="0" lang="en-US" sz="2400" spc="-1" strike="noStrike">
+              <a:rPr b="0" lang="en-US" sz="1500" spc="-1" strike="noStrike">
                 <a:solidFill>
                   <a:schemeClr val="dk1"/>
                 </a:solidFill>
@@ -12503,7 +13432,7 @@
               <a:t>    </a:t>
             </a:r>
             <a:r>
-              <a:rPr b="1" lang="en-US" sz="2400" spc="-1" strike="noStrike">
+              <a:rPr b="1" lang="en-US" sz="1500" spc="-1" strike="noStrike">
                 <a:solidFill>
                   <a:srgbClr val="007020"/>
                 </a:solidFill>
@@ -12512,7 +13441,7 @@
               <a:t>try</a:t>
             </a:r>
             <a:r>
-              <a:rPr b="0" lang="en-US" sz="2400" spc="-1" strike="noStrike">
+              <a:rPr b="0" lang="en-US" sz="1500" spc="-1" strike="noStrike">
                 <a:solidFill>
                   <a:schemeClr val="dk1"/>
                 </a:solidFill>
@@ -12521,10 +13450,10 @@
               <a:t>:</a:t>
             </a:r>
             <a:br>
-              <a:rPr sz="2400"/>
+              <a:rPr sz="1500"/>
             </a:br>
             <a:r>
-              <a:rPr b="0" lang="en-US" sz="2400" spc="-1" strike="noStrike">
+              <a:rPr b="0" lang="en-US" sz="1500" spc="-1" strike="noStrike">
                 <a:solidFill>
                   <a:schemeClr val="dk1"/>
                 </a:solidFill>
@@ -12533,7 +13462,7 @@
               <a:t>        </a:t>
             </a:r>
             <a:r>
-              <a:rPr b="1" lang="en-US" sz="2400" spc="-1" strike="noStrike">
+              <a:rPr b="1" lang="en-US" sz="1500" spc="-1" strike="noStrike">
                 <a:solidFill>
                   <a:srgbClr val="007020"/>
                 </a:solidFill>
@@ -12542,7 +13471,7 @@
               <a:t>with</a:t>
             </a:r>
             <a:r>
-              <a:rPr b="0" lang="en-US" sz="2400" spc="-1" strike="noStrike">
+              <a:rPr b="0" lang="en-US" sz="1500" spc="-1" strike="noStrike">
                 <a:solidFill>
                   <a:schemeClr val="dk1"/>
                 </a:solidFill>
@@ -12551,7 +13480,7 @@
               <a:t> </a:t>
             </a:r>
             <a:r>
-              <a:rPr b="0" lang="en-US" sz="2400" spc="-1" strike="noStrike">
+              <a:rPr b="0" lang="en-US" sz="1500" spc="-1" strike="noStrike">
                 <a:solidFill>
                   <a:srgbClr val="008000"/>
                 </a:solidFill>
@@ -12560,7 +13489,7 @@
               <a:t>open</a:t>
             </a:r>
             <a:r>
-              <a:rPr b="0" lang="en-US" sz="2400" spc="-1" strike="noStrike">
+              <a:rPr b="0" lang="en-US" sz="1500" spc="-1" strike="noStrike">
                 <a:solidFill>
                   <a:schemeClr val="dk1"/>
                 </a:solidFill>
@@ -12569,7 +13498,7 @@
               <a:t>(</a:t>
             </a:r>
             <a:r>
-              <a:rPr b="0" lang="en-US" sz="2400" spc="-1" strike="noStrike">
+              <a:rPr b="0" lang="en-US" sz="1500" spc="-1" strike="noStrike">
                 <a:solidFill>
                   <a:srgbClr val="4070a0"/>
                 </a:solidFill>
@@ -12578,7 +13507,7 @@
               <a:t>"config.txt"</a:t>
             </a:r>
             <a:r>
-              <a:rPr b="0" lang="en-US" sz="2400" spc="-1" strike="noStrike">
+              <a:rPr b="0" lang="en-US" sz="1500" spc="-1" strike="noStrike">
                 <a:solidFill>
                   <a:schemeClr val="dk1"/>
                 </a:solidFill>
@@ -12587,7 +13516,7 @@
               <a:t>, </a:t>
             </a:r>
             <a:r>
-              <a:rPr b="0" lang="en-US" sz="2400" spc="-1" strike="noStrike">
+              <a:rPr b="0" lang="en-US" sz="1500" spc="-1" strike="noStrike">
                 <a:solidFill>
                   <a:srgbClr val="4070a0"/>
                 </a:solidFill>
@@ -12596,7 +13525,7 @@
               <a:t>"r"</a:t>
             </a:r>
             <a:r>
-              <a:rPr b="0" lang="en-US" sz="2400" spc="-1" strike="noStrike">
+              <a:rPr b="0" lang="en-US" sz="1500" spc="-1" strike="noStrike">
                 <a:solidFill>
                   <a:schemeClr val="dk1"/>
                 </a:solidFill>
@@ -12605,7 +13534,7 @@
               <a:t>, encoding</a:t>
             </a:r>
             <a:r>
-              <a:rPr b="0" lang="en-US" sz="2400" spc="-1" strike="noStrike">
+              <a:rPr b="0" lang="en-US" sz="1500" spc="-1" strike="noStrike">
                 <a:solidFill>
                   <a:srgbClr val="666666"/>
                 </a:solidFill>
@@ -12614,7 +13543,7 @@
               <a:t>=</a:t>
             </a:r>
             <a:r>
-              <a:rPr b="0" lang="en-US" sz="2400" spc="-1" strike="noStrike">
+              <a:rPr b="0" lang="en-US" sz="1500" spc="-1" strike="noStrike">
                 <a:solidFill>
                   <a:srgbClr val="4070a0"/>
                 </a:solidFill>
@@ -12623,7 +13552,7 @@
               <a:t>"utf-8"</a:t>
             </a:r>
             <a:r>
-              <a:rPr b="0" lang="en-US" sz="2400" spc="-1" strike="noStrike">
+              <a:rPr b="0" lang="en-US" sz="1500" spc="-1" strike="noStrike">
                 <a:solidFill>
                   <a:schemeClr val="dk1"/>
                 </a:solidFill>
@@ -12632,7 +13561,7 @@
               <a:t>) </a:t>
             </a:r>
             <a:r>
-              <a:rPr b="1" lang="en-US" sz="2400" spc="-1" strike="noStrike">
+              <a:rPr b="1" lang="en-US" sz="1500" spc="-1" strike="noStrike">
                 <a:solidFill>
                   <a:srgbClr val="008000"/>
                 </a:solidFill>
@@ -12641,7 +13570,7 @@
               <a:t>as</a:t>
             </a:r>
             <a:r>
-              <a:rPr b="0" lang="en-US" sz="2400" spc="-1" strike="noStrike">
+              <a:rPr b="0" lang="en-US" sz="1500" spc="-1" strike="noStrike">
                 <a:solidFill>
                   <a:schemeClr val="dk1"/>
                 </a:solidFill>
@@ -12650,10 +13579,10 @@
               <a:t> f:</a:t>
             </a:r>
             <a:br>
-              <a:rPr sz="2400"/>
+              <a:rPr sz="1500"/>
             </a:br>
             <a:r>
-              <a:rPr b="0" lang="en-US" sz="2400" spc="-1" strike="noStrike">
+              <a:rPr b="0" lang="en-US" sz="1500" spc="-1" strike="noStrike">
                 <a:solidFill>
                   <a:schemeClr val="dk1"/>
                 </a:solidFill>
@@ -12662,7 +13591,7 @@
               <a:t>            lignes </a:t>
             </a:r>
             <a:r>
-              <a:rPr b="0" lang="en-US" sz="2400" spc="-1" strike="noStrike">
+              <a:rPr b="0" lang="en-US" sz="1500" spc="-1" strike="noStrike">
                 <a:solidFill>
                   <a:srgbClr val="666666"/>
                 </a:solidFill>
@@ -12671,7 +13600,7 @@
               <a:t>=</a:t>
             </a:r>
             <a:r>
-              <a:rPr b="0" lang="en-US" sz="2400" spc="-1" strike="noStrike">
+              <a:rPr b="0" lang="en-US" sz="1500" spc="-1" strike="noStrike">
                 <a:solidFill>
                   <a:schemeClr val="dk1"/>
                 </a:solidFill>
@@ -12680,10 +13609,10 @@
               <a:t> f.read().splitlines()</a:t>
             </a:r>
             <a:br>
-              <a:rPr sz="2400"/>
+              <a:rPr sz="1500"/>
             </a:br>
             <a:r>
-              <a:rPr b="0" lang="en-US" sz="2400" spc="-1" strike="noStrike">
+              <a:rPr b="0" lang="en-US" sz="1500" spc="-1" strike="noStrike">
                 <a:solidFill>
                   <a:schemeClr val="dk1"/>
                 </a:solidFill>
@@ -12692,7 +13621,7 @@
               <a:t>        cfg </a:t>
             </a:r>
             <a:r>
-              <a:rPr b="0" lang="en-US" sz="2400" spc="-1" strike="noStrike">
+              <a:rPr b="0" lang="en-US" sz="1500" spc="-1" strike="noStrike">
                 <a:solidFill>
                   <a:srgbClr val="666666"/>
                 </a:solidFill>
@@ -12701,7 +13630,7 @@
               <a:t>=</a:t>
             </a:r>
             <a:r>
-              <a:rPr b="0" lang="en-US" sz="2400" spc="-1" strike="noStrike">
+              <a:rPr b="0" lang="en-US" sz="1500" spc="-1" strike="noStrike">
                 <a:solidFill>
                   <a:schemeClr val="dk1"/>
                 </a:solidFill>
@@ -12710,10 +13639,10 @@
               <a:t> {}</a:t>
             </a:r>
             <a:br>
-              <a:rPr sz="2400"/>
+              <a:rPr sz="1500"/>
             </a:br>
             <a:r>
-              <a:rPr b="0" lang="en-US" sz="2400" spc="-1" strike="noStrike">
+              <a:rPr b="0" lang="en-US" sz="1500" spc="-1" strike="noStrike">
                 <a:solidFill>
                   <a:schemeClr val="dk1"/>
                 </a:solidFill>
@@ -12722,7 +13651,7 @@
               <a:t>        </a:t>
             </a:r>
             <a:r>
-              <a:rPr b="1" lang="en-US" sz="2400" spc="-1" strike="noStrike">
+              <a:rPr b="1" lang="en-US" sz="1500" spc="-1" strike="noStrike">
                 <a:solidFill>
                   <a:srgbClr val="007020"/>
                 </a:solidFill>
@@ -12731,7 +13660,7 @@
               <a:t>for</a:t>
             </a:r>
             <a:r>
-              <a:rPr b="0" lang="en-US" sz="2400" spc="-1" strike="noStrike">
+              <a:rPr b="0" lang="en-US" sz="1500" spc="-1" strike="noStrike">
                 <a:solidFill>
                   <a:schemeClr val="dk1"/>
                 </a:solidFill>
@@ -12740,7 +13669,7 @@
               <a:t> ligne </a:t>
             </a:r>
             <a:r>
-              <a:rPr b="1" lang="en-US" sz="2400" spc="-1" strike="noStrike">
+              <a:rPr b="1" lang="en-US" sz="1500" spc="-1" strike="noStrike">
                 <a:solidFill>
                   <a:srgbClr val="007020"/>
                 </a:solidFill>
@@ -12749,7 +13678,7 @@
               <a:t>in</a:t>
             </a:r>
             <a:r>
-              <a:rPr b="0" lang="en-US" sz="2400" spc="-1" strike="noStrike">
+              <a:rPr b="0" lang="en-US" sz="1500" spc="-1" strike="noStrike">
                 <a:solidFill>
                   <a:schemeClr val="dk1"/>
                 </a:solidFill>
@@ -12758,10 +13687,10 @@
               <a:t> lignes:</a:t>
             </a:r>
             <a:br>
-              <a:rPr sz="2400"/>
+              <a:rPr sz="1500"/>
             </a:br>
             <a:r>
-              <a:rPr b="0" lang="en-US" sz="2400" spc="-1" strike="noStrike">
+              <a:rPr b="0" lang="en-US" sz="1500" spc="-1" strike="noStrike">
                 <a:solidFill>
                   <a:schemeClr val="dk1"/>
                 </a:solidFill>
@@ -12770,7 +13699,7 @@
               <a:t>            </a:t>
             </a:r>
             <a:r>
-              <a:rPr b="1" lang="en-US" sz="2400" spc="-1" strike="noStrike">
+              <a:rPr b="1" lang="en-US" sz="1500" spc="-1" strike="noStrike">
                 <a:solidFill>
                   <a:srgbClr val="007020"/>
                 </a:solidFill>
@@ -12779,7 +13708,7 @@
               <a:t>if</a:t>
             </a:r>
             <a:r>
-              <a:rPr b="0" lang="en-US" sz="2400" spc="-1" strike="noStrike">
+              <a:rPr b="0" lang="en-US" sz="1500" spc="-1" strike="noStrike">
                 <a:solidFill>
                   <a:schemeClr val="dk1"/>
                 </a:solidFill>
@@ -12788,7 +13717,7 @@
               <a:t> </a:t>
             </a:r>
             <a:r>
-              <a:rPr b="0" lang="en-US" sz="2400" spc="-1" strike="noStrike">
+              <a:rPr b="0" lang="en-US" sz="1500" spc="-1" strike="noStrike">
                 <a:solidFill>
                   <a:srgbClr val="4070a0"/>
                 </a:solidFill>
@@ -12797,7 +13726,7 @@
               <a:t>"="</a:t>
             </a:r>
             <a:r>
-              <a:rPr b="0" lang="en-US" sz="2400" spc="-1" strike="noStrike">
+              <a:rPr b="0" lang="en-US" sz="1500" spc="-1" strike="noStrike">
                 <a:solidFill>
                   <a:schemeClr val="dk1"/>
                 </a:solidFill>
@@ -12806,7 +13735,7 @@
               <a:t> </a:t>
             </a:r>
             <a:r>
-              <a:rPr b="1" lang="en-US" sz="2400" spc="-1" strike="noStrike">
+              <a:rPr b="1" lang="en-US" sz="1500" spc="-1" strike="noStrike">
                 <a:solidFill>
                   <a:srgbClr val="007020"/>
                 </a:solidFill>
@@ -12815,7 +13744,7 @@
               <a:t>in</a:t>
             </a:r>
             <a:r>
-              <a:rPr b="0" lang="en-US" sz="2400" spc="-1" strike="noStrike">
+              <a:rPr b="0" lang="en-US" sz="1500" spc="-1" strike="noStrike">
                 <a:solidFill>
                   <a:schemeClr val="dk1"/>
                 </a:solidFill>
@@ -12824,10 +13753,10 @@
               <a:t> ligne:</a:t>
             </a:r>
             <a:br>
-              <a:rPr sz="2400"/>
+              <a:rPr sz="1500"/>
             </a:br>
             <a:r>
-              <a:rPr b="0" lang="en-US" sz="2400" spc="-1" strike="noStrike">
+              <a:rPr b="0" lang="en-US" sz="1500" spc="-1" strike="noStrike">
                 <a:solidFill>
                   <a:schemeClr val="dk1"/>
                 </a:solidFill>
@@ -12836,7 +13765,7 @@
               <a:t>                k, v </a:t>
             </a:r>
             <a:r>
-              <a:rPr b="0" lang="en-US" sz="2400" spc="-1" strike="noStrike">
+              <a:rPr b="0" lang="en-US" sz="1500" spc="-1" strike="noStrike">
                 <a:solidFill>
                   <a:srgbClr val="666666"/>
                 </a:solidFill>
@@ -12845,7 +13774,7 @@
               <a:t>=</a:t>
             </a:r>
             <a:r>
-              <a:rPr b="0" lang="en-US" sz="2400" spc="-1" strike="noStrike">
+              <a:rPr b="0" lang="en-US" sz="1500" spc="-1" strike="noStrike">
                 <a:solidFill>
                   <a:schemeClr val="dk1"/>
                 </a:solidFill>
@@ -12854,7 +13783,7 @@
               <a:t> ligne.split(</a:t>
             </a:r>
             <a:r>
-              <a:rPr b="0" lang="en-US" sz="2400" spc="-1" strike="noStrike">
+              <a:rPr b="0" lang="en-US" sz="1500" spc="-1" strike="noStrike">
                 <a:solidFill>
                   <a:srgbClr val="4070a0"/>
                 </a:solidFill>
@@ -12863,7 +13792,7 @@
               <a:t>"="</a:t>
             </a:r>
             <a:r>
-              <a:rPr b="0" lang="en-US" sz="2400" spc="-1" strike="noStrike">
+              <a:rPr b="0" lang="en-US" sz="1500" spc="-1" strike="noStrike">
                 <a:solidFill>
                   <a:schemeClr val="dk1"/>
                 </a:solidFill>
@@ -12872,7 +13801,7 @@
               <a:t>, </a:t>
             </a:r>
             <a:r>
-              <a:rPr b="0" lang="en-US" sz="2400" spc="-1" strike="noStrike">
+              <a:rPr b="0" lang="en-US" sz="1500" spc="-1" strike="noStrike">
                 <a:solidFill>
                   <a:srgbClr val="40a070"/>
                 </a:solidFill>
@@ -12881,7 +13810,7 @@
               <a:t>1</a:t>
             </a:r>
             <a:r>
-              <a:rPr b="0" lang="en-US" sz="2400" spc="-1" strike="noStrike">
+              <a:rPr b="0" lang="en-US" sz="1500" spc="-1" strike="noStrike">
                 <a:solidFill>
                   <a:schemeClr val="dk1"/>
                 </a:solidFill>
@@ -12890,10 +13819,10 @@
               <a:t>)</a:t>
             </a:r>
             <a:br>
-              <a:rPr sz="2400"/>
+              <a:rPr sz="1500"/>
             </a:br>
             <a:r>
-              <a:rPr b="0" lang="en-US" sz="2400" spc="-1" strike="noStrike">
+              <a:rPr b="0" lang="en-US" sz="1500" spc="-1" strike="noStrike">
                 <a:solidFill>
                   <a:schemeClr val="dk1"/>
                 </a:solidFill>
@@ -12902,7 +13831,7 @@
               <a:t>                cfg[k] </a:t>
             </a:r>
             <a:r>
-              <a:rPr b="0" lang="en-US" sz="2400" spc="-1" strike="noStrike">
+              <a:rPr b="0" lang="en-US" sz="1500" spc="-1" strike="noStrike">
                 <a:solidFill>
                   <a:srgbClr val="666666"/>
                 </a:solidFill>
@@ -12911,7 +13840,7 @@
               <a:t>=</a:t>
             </a:r>
             <a:r>
-              <a:rPr b="0" lang="en-US" sz="2400" spc="-1" strike="noStrike">
+              <a:rPr b="0" lang="en-US" sz="1500" spc="-1" strike="noStrike">
                 <a:solidFill>
                   <a:schemeClr val="dk1"/>
                 </a:solidFill>
@@ -12920,10 +13849,10 @@
               <a:t> v</a:t>
             </a:r>
             <a:br>
-              <a:rPr sz="2400"/>
+              <a:rPr sz="1500"/>
             </a:br>
             <a:r>
-              <a:rPr b="0" lang="en-US" sz="2400" spc="-1" strike="noStrike">
+              <a:rPr b="0" lang="en-US" sz="1500" spc="-1" strike="noStrike">
                 <a:solidFill>
                   <a:schemeClr val="dk1"/>
                 </a:solidFill>
@@ -12932,7 +13861,7 @@
               <a:t>        </a:t>
             </a:r>
             <a:r>
-              <a:rPr b="1" lang="en-US" sz="2400" spc="-1" strike="noStrike">
+              <a:rPr b="1" lang="en-US" sz="1500" spc="-1" strike="noStrike">
                 <a:solidFill>
                   <a:srgbClr val="007020"/>
                 </a:solidFill>
@@ -12941,7 +13870,7 @@
               <a:t>return</a:t>
             </a:r>
             <a:r>
-              <a:rPr b="0" lang="en-US" sz="2400" spc="-1" strike="noStrike">
+              <a:rPr b="0" lang="en-US" sz="1500" spc="-1" strike="noStrike">
                 <a:solidFill>
                   <a:schemeClr val="dk1"/>
                 </a:solidFill>
@@ -12950,10 +13879,10 @@
               <a:t> cfg</a:t>
             </a:r>
             <a:br>
-              <a:rPr sz="2400"/>
+              <a:rPr sz="1500"/>
             </a:br>
             <a:r>
-              <a:rPr b="0" lang="en-US" sz="2400" spc="-1" strike="noStrike">
+              <a:rPr b="0" lang="en-US" sz="1500" spc="-1" strike="noStrike">
                 <a:solidFill>
                   <a:schemeClr val="dk1"/>
                 </a:solidFill>
@@ -12962,7 +13891,7 @@
               <a:t>    </a:t>
             </a:r>
             <a:r>
-              <a:rPr b="1" lang="en-US" sz="2400" spc="-1" strike="noStrike">
+              <a:rPr b="1" lang="en-US" sz="1500" spc="-1" strike="noStrike">
                 <a:solidFill>
                   <a:srgbClr val="007020"/>
                 </a:solidFill>
@@ -12971,7 +13900,7 @@
               <a:t>except</a:t>
             </a:r>
             <a:r>
-              <a:rPr b="0" lang="en-US" sz="2400" spc="-1" strike="noStrike">
+              <a:rPr b="0" lang="en-US" sz="1500" spc="-1" strike="noStrike">
                 <a:solidFill>
                   <a:schemeClr val="dk1"/>
                 </a:solidFill>
@@ -12980,7 +13909,7 @@
               <a:t> </a:t>
             </a:r>
             <a:r>
-              <a:rPr b="0" lang="en-US" sz="2400" spc="-1" strike="noStrike">
+              <a:rPr b="0" lang="en-US" sz="1500" spc="-1" strike="noStrike">
                 <a:solidFill>
                   <a:srgbClr val="bc7a00"/>
                 </a:solidFill>
@@ -12989,7 +13918,7 @@
               <a:t>FileNotFoundError</a:t>
             </a:r>
             <a:r>
-              <a:rPr b="0" lang="en-US" sz="2400" spc="-1" strike="noStrike">
+              <a:rPr b="0" lang="en-US" sz="1500" spc="-1" strike="noStrike">
                 <a:solidFill>
                   <a:schemeClr val="dk1"/>
                 </a:solidFill>
@@ -12998,10 +13927,10 @@
               <a:t>:</a:t>
             </a:r>
             <a:br>
-              <a:rPr sz="2400"/>
+              <a:rPr sz="1500"/>
             </a:br>
             <a:r>
-              <a:rPr b="0" lang="en-US" sz="2400" spc="-1" strike="noStrike">
+              <a:rPr b="0" lang="en-US" sz="1500" spc="-1" strike="noStrike">
                 <a:solidFill>
                   <a:schemeClr val="dk1"/>
                 </a:solidFill>
@@ -13010,7 +13939,7 @@
               <a:t>        </a:t>
             </a:r>
             <a:r>
-              <a:rPr b="1" lang="en-US" sz="2400" spc="-1" strike="noStrike">
+              <a:rPr b="1" lang="en-US" sz="1500" spc="-1" strike="noStrike">
                 <a:solidFill>
                   <a:srgbClr val="007020"/>
                 </a:solidFill>
@@ -13019,7 +13948,7 @@
               <a:t>return</a:t>
             </a:r>
             <a:r>
-              <a:rPr b="0" lang="en-US" sz="2400" spc="-1" strike="noStrike">
+              <a:rPr b="0" lang="en-US" sz="1500" spc="-1" strike="noStrike">
                 <a:solidFill>
                   <a:schemeClr val="dk1"/>
                 </a:solidFill>
@@ -13027,943 +13956,7 @@
               </a:rPr>
               <a:t> {}</a:t>
             </a:r>
-            <a:br>
-              <a:rPr sz="2400"/>
-            </a:br>
-            <a:br>
-              <a:rPr sz="2400"/>
-            </a:br>
-            <a:r>
-              <a:rPr b="0" i="1" lang="en-US" sz="2400" spc="-1" strike="noStrike">
-                <a:solidFill>
-                  <a:srgbClr val="60a0b0"/>
-                </a:solidFill>
-                <a:latin typeface="Courier New"/>
-              </a:rPr>
-              <a:t># Fonction typée + retour multiple</a:t>
-            </a:r>
-            <a:br>
-              <a:rPr sz="2400"/>
-            </a:br>
-            <a:r>
-              <a:rPr b="1" lang="en-US" sz="2400" spc="-1" strike="noStrike">
-                <a:solidFill>
-                  <a:srgbClr val="007020"/>
-                </a:solidFill>
-                <a:latin typeface="Courier New"/>
-              </a:rPr>
-              <a:t>def</a:t>
-            </a:r>
-            <a:r>
-              <a:rPr b="0" lang="en-US" sz="2400" spc="-1" strike="noStrike">
-                <a:solidFill>
-                  <a:schemeClr val="dk1"/>
-                </a:solidFill>
-                <a:latin typeface="Courier New"/>
-              </a:rPr>
-              <a:t> calcul_stats(a: </a:t>
-            </a:r>
-            <a:r>
-              <a:rPr b="0" lang="en-US" sz="2400" spc="-1" strike="noStrike">
-                <a:solidFill>
-                  <a:srgbClr val="008000"/>
-                </a:solidFill>
-                <a:latin typeface="Courier New"/>
-              </a:rPr>
-              <a:t>int</a:t>
-            </a:r>
-            <a:r>
-              <a:rPr b="0" lang="en-US" sz="2400" spc="-1" strike="noStrike">
-                <a:solidFill>
-                  <a:schemeClr val="dk1"/>
-                </a:solidFill>
-                <a:latin typeface="Courier New"/>
-              </a:rPr>
-              <a:t>, b: </a:t>
-            </a:r>
-            <a:r>
-              <a:rPr b="0" lang="en-US" sz="2400" spc="-1" strike="noStrike">
-                <a:solidFill>
-                  <a:srgbClr val="008000"/>
-                </a:solidFill>
-                <a:latin typeface="Courier New"/>
-              </a:rPr>
-              <a:t>int</a:t>
-            </a:r>
-            <a:r>
-              <a:rPr b="0" lang="en-US" sz="2400" spc="-1" strike="noStrike">
-                <a:solidFill>
-                  <a:schemeClr val="dk1"/>
-                </a:solidFill>
-                <a:latin typeface="Courier New"/>
-              </a:rPr>
-              <a:t>) </a:t>
-            </a:r>
-            <a:r>
-              <a:rPr b="0" lang="en-US" sz="2400" spc="-1" strike="noStrike">
-                <a:solidFill>
-                  <a:srgbClr val="666666"/>
-                </a:solidFill>
-                <a:latin typeface="Courier New"/>
-              </a:rPr>
-              <a:t>-&gt;</a:t>
-            </a:r>
-            <a:r>
-              <a:rPr b="0" lang="en-US" sz="2400" spc="-1" strike="noStrike">
-                <a:solidFill>
-                  <a:schemeClr val="dk1"/>
-                </a:solidFill>
-                <a:latin typeface="Courier New"/>
-              </a:rPr>
-              <a:t> </a:t>
-            </a:r>
-            <a:r>
-              <a:rPr b="0" lang="en-US" sz="2400" spc="-1" strike="noStrike">
-                <a:solidFill>
-                  <a:srgbClr val="008000"/>
-                </a:solidFill>
-                <a:latin typeface="Courier New"/>
-              </a:rPr>
-              <a:t>tuple</a:t>
-            </a:r>
-            <a:r>
-              <a:rPr b="0" lang="en-US" sz="2400" spc="-1" strike="noStrike">
-                <a:solidFill>
-                  <a:schemeClr val="dk1"/>
-                </a:solidFill>
-                <a:latin typeface="Courier New"/>
-              </a:rPr>
-              <a:t>[</a:t>
-            </a:r>
-            <a:r>
-              <a:rPr b="0" lang="en-US" sz="2400" spc="-1" strike="noStrike">
-                <a:solidFill>
-                  <a:srgbClr val="008000"/>
-                </a:solidFill>
-                <a:latin typeface="Courier New"/>
-              </a:rPr>
-              <a:t>int</a:t>
-            </a:r>
-            <a:r>
-              <a:rPr b="0" lang="en-US" sz="2400" spc="-1" strike="noStrike">
-                <a:solidFill>
-                  <a:schemeClr val="dk1"/>
-                </a:solidFill>
-                <a:latin typeface="Courier New"/>
-              </a:rPr>
-              <a:t>, </a:t>
-            </a:r>
-            <a:r>
-              <a:rPr b="0" lang="en-US" sz="2400" spc="-1" strike="noStrike">
-                <a:solidFill>
-                  <a:srgbClr val="008000"/>
-                </a:solidFill>
-                <a:latin typeface="Courier New"/>
-              </a:rPr>
-              <a:t>int</a:t>
-            </a:r>
-            <a:r>
-              <a:rPr b="0" lang="en-US" sz="2400" spc="-1" strike="noStrike">
-                <a:solidFill>
-                  <a:schemeClr val="dk1"/>
-                </a:solidFill>
-                <a:latin typeface="Courier New"/>
-              </a:rPr>
-              <a:t>, </a:t>
-            </a:r>
-            <a:r>
-              <a:rPr b="0" lang="en-US" sz="2400" spc="-1" strike="noStrike">
-                <a:solidFill>
-                  <a:srgbClr val="008000"/>
-                </a:solidFill>
-                <a:latin typeface="Courier New"/>
-              </a:rPr>
-              <a:t>int</a:t>
-            </a:r>
-            <a:r>
-              <a:rPr b="0" lang="en-US" sz="2400" spc="-1" strike="noStrike">
-                <a:solidFill>
-                  <a:schemeClr val="dk1"/>
-                </a:solidFill>
-                <a:latin typeface="Courier New"/>
-              </a:rPr>
-              <a:t>]:</a:t>
-            </a:r>
-            <a:br>
-              <a:rPr sz="2400"/>
-            </a:br>
-            <a:r>
-              <a:rPr b="0" lang="en-US" sz="2400" spc="-1" strike="noStrike">
-                <a:solidFill>
-                  <a:schemeClr val="dk1"/>
-                </a:solidFill>
-                <a:latin typeface="Courier New"/>
-              </a:rPr>
-              <a:t>    somme </a:t>
-            </a:r>
-            <a:r>
-              <a:rPr b="0" lang="en-US" sz="2400" spc="-1" strike="noStrike">
-                <a:solidFill>
-                  <a:srgbClr val="666666"/>
-                </a:solidFill>
-                <a:latin typeface="Courier New"/>
-              </a:rPr>
-              <a:t>=</a:t>
-            </a:r>
-            <a:r>
-              <a:rPr b="0" lang="en-US" sz="2400" spc="-1" strike="noStrike">
-                <a:solidFill>
-                  <a:schemeClr val="dk1"/>
-                </a:solidFill>
-                <a:latin typeface="Courier New"/>
-              </a:rPr>
-              <a:t> a </a:t>
-            </a:r>
-            <a:r>
-              <a:rPr b="0" lang="en-US" sz="2400" spc="-1" strike="noStrike">
-                <a:solidFill>
-                  <a:srgbClr val="666666"/>
-                </a:solidFill>
-                <a:latin typeface="Courier New"/>
-              </a:rPr>
-              <a:t>+</a:t>
-            </a:r>
-            <a:r>
-              <a:rPr b="0" lang="en-US" sz="2400" spc="-1" strike="noStrike">
-                <a:solidFill>
-                  <a:schemeClr val="dk1"/>
-                </a:solidFill>
-                <a:latin typeface="Courier New"/>
-              </a:rPr>
-              <a:t> b</a:t>
-            </a:r>
-            <a:br>
-              <a:rPr sz="2400"/>
-            </a:br>
-            <a:r>
-              <a:rPr b="0" lang="en-US" sz="2400" spc="-1" strike="noStrike">
-                <a:solidFill>
-                  <a:schemeClr val="dk1"/>
-                </a:solidFill>
-                <a:latin typeface="Courier New"/>
-              </a:rPr>
-              <a:t>    produit </a:t>
-            </a:r>
-            <a:r>
-              <a:rPr b="0" lang="en-US" sz="2400" spc="-1" strike="noStrike">
-                <a:solidFill>
-                  <a:srgbClr val="666666"/>
-                </a:solidFill>
-                <a:latin typeface="Courier New"/>
-              </a:rPr>
-              <a:t>=</a:t>
-            </a:r>
-            <a:r>
-              <a:rPr b="0" lang="en-US" sz="2400" spc="-1" strike="noStrike">
-                <a:solidFill>
-                  <a:schemeClr val="dk1"/>
-                </a:solidFill>
-                <a:latin typeface="Courier New"/>
-              </a:rPr>
-              <a:t> a </a:t>
-            </a:r>
-            <a:r>
-              <a:rPr b="0" lang="en-US" sz="2400" spc="-1" strike="noStrike">
-                <a:solidFill>
-                  <a:srgbClr val="666666"/>
-                </a:solidFill>
-                <a:latin typeface="Courier New"/>
-              </a:rPr>
-              <a:t>*</a:t>
-            </a:r>
-            <a:r>
-              <a:rPr b="0" lang="en-US" sz="2400" spc="-1" strike="noStrike">
-                <a:solidFill>
-                  <a:schemeClr val="dk1"/>
-                </a:solidFill>
-                <a:latin typeface="Courier New"/>
-              </a:rPr>
-              <a:t> b</a:t>
-            </a:r>
-            <a:br>
-              <a:rPr sz="2400"/>
-            </a:br>
-            <a:r>
-              <a:rPr b="0" lang="en-US" sz="2400" spc="-1" strike="noStrike">
-                <a:solidFill>
-                  <a:schemeClr val="dk1"/>
-                </a:solidFill>
-                <a:latin typeface="Courier New"/>
-              </a:rPr>
-              <a:t>    diff </a:t>
-            </a:r>
-            <a:r>
-              <a:rPr b="0" lang="en-US" sz="2400" spc="-1" strike="noStrike">
-                <a:solidFill>
-                  <a:srgbClr val="666666"/>
-                </a:solidFill>
-                <a:latin typeface="Courier New"/>
-              </a:rPr>
-              <a:t>=</a:t>
-            </a:r>
-            <a:r>
-              <a:rPr b="0" lang="en-US" sz="2400" spc="-1" strike="noStrike">
-                <a:solidFill>
-                  <a:schemeClr val="dk1"/>
-                </a:solidFill>
-                <a:latin typeface="Courier New"/>
-              </a:rPr>
-              <a:t> a </a:t>
-            </a:r>
-            <a:r>
-              <a:rPr b="0" lang="en-US" sz="2400" spc="-1" strike="noStrike">
-                <a:solidFill>
-                  <a:srgbClr val="666666"/>
-                </a:solidFill>
-                <a:latin typeface="Courier New"/>
-              </a:rPr>
-              <a:t>-</a:t>
-            </a:r>
-            <a:r>
-              <a:rPr b="0" lang="en-US" sz="2400" spc="-1" strike="noStrike">
-                <a:solidFill>
-                  <a:schemeClr val="dk1"/>
-                </a:solidFill>
-                <a:latin typeface="Courier New"/>
-              </a:rPr>
-              <a:t> b</a:t>
-            </a:r>
-            <a:br>
-              <a:rPr sz="2400"/>
-            </a:br>
-            <a:r>
-              <a:rPr b="0" lang="en-US" sz="2400" spc="-1" strike="noStrike">
-                <a:solidFill>
-                  <a:schemeClr val="dk1"/>
-                </a:solidFill>
-                <a:latin typeface="Courier New"/>
-              </a:rPr>
-              <a:t>    </a:t>
-            </a:r>
-            <a:r>
-              <a:rPr b="1" lang="en-US" sz="2400" spc="-1" strike="noStrike">
-                <a:solidFill>
-                  <a:srgbClr val="007020"/>
-                </a:solidFill>
-                <a:latin typeface="Courier New"/>
-              </a:rPr>
-              <a:t>return</a:t>
-            </a:r>
-            <a:r>
-              <a:rPr b="0" lang="en-US" sz="2400" spc="-1" strike="noStrike">
-                <a:solidFill>
-                  <a:schemeClr val="dk1"/>
-                </a:solidFill>
-                <a:latin typeface="Courier New"/>
-              </a:rPr>
-              <a:t> somme, produit, diff</a:t>
-            </a:r>
-            <a:br>
-              <a:rPr sz="2400"/>
-            </a:br>
-            <a:br>
-              <a:rPr sz="2400"/>
-            </a:br>
-            <a:r>
-              <a:rPr b="0" i="1" lang="en-US" sz="2400" spc="-1" strike="noStrike">
-                <a:solidFill>
-                  <a:srgbClr val="60a0b0"/>
-                </a:solidFill>
-                <a:latin typeface="Courier New"/>
-              </a:rPr>
-              <a:t># Récursif</a:t>
-            </a:r>
-            <a:br>
-              <a:rPr sz="2400"/>
-            </a:br>
-            <a:r>
-              <a:rPr b="1" lang="en-US" sz="2400" spc="-1" strike="noStrike">
-                <a:solidFill>
-                  <a:srgbClr val="007020"/>
-                </a:solidFill>
-                <a:latin typeface="Courier New"/>
-              </a:rPr>
-              <a:t>def</a:t>
-            </a:r>
-            <a:r>
-              <a:rPr b="0" lang="en-US" sz="2400" spc="-1" strike="noStrike">
-                <a:solidFill>
-                  <a:schemeClr val="dk1"/>
-                </a:solidFill>
-                <a:latin typeface="Courier New"/>
-              </a:rPr>
-              <a:t> compte_a_rebours(n: </a:t>
-            </a:r>
-            <a:r>
-              <a:rPr b="0" lang="en-US" sz="2400" spc="-1" strike="noStrike">
-                <a:solidFill>
-                  <a:srgbClr val="008000"/>
-                </a:solidFill>
-                <a:latin typeface="Courier New"/>
-              </a:rPr>
-              <a:t>int</a:t>
-            </a:r>
-            <a:r>
-              <a:rPr b="0" lang="en-US" sz="2400" spc="-1" strike="noStrike">
-                <a:solidFill>
-                  <a:schemeClr val="dk1"/>
-                </a:solidFill>
-                <a:latin typeface="Courier New"/>
-              </a:rPr>
-              <a:t>):</a:t>
-            </a:r>
-            <a:br>
-              <a:rPr sz="2400"/>
-            </a:br>
-            <a:r>
-              <a:rPr b="0" lang="en-US" sz="2400" spc="-1" strike="noStrike">
-                <a:solidFill>
-                  <a:schemeClr val="dk1"/>
-                </a:solidFill>
-                <a:latin typeface="Courier New"/>
-              </a:rPr>
-              <a:t>    </a:t>
-            </a:r>
-            <a:r>
-              <a:rPr b="1" lang="en-US" sz="2400" spc="-1" strike="noStrike">
-                <a:solidFill>
-                  <a:srgbClr val="007020"/>
-                </a:solidFill>
-                <a:latin typeface="Courier New"/>
-              </a:rPr>
-              <a:t>if</a:t>
-            </a:r>
-            <a:r>
-              <a:rPr b="0" lang="en-US" sz="2400" spc="-1" strike="noStrike">
-                <a:solidFill>
-                  <a:schemeClr val="dk1"/>
-                </a:solidFill>
-                <a:latin typeface="Courier New"/>
-              </a:rPr>
-              <a:t> n </a:t>
-            </a:r>
-            <a:r>
-              <a:rPr b="0" lang="en-US" sz="2400" spc="-1" strike="noStrike">
-                <a:solidFill>
-                  <a:srgbClr val="666666"/>
-                </a:solidFill>
-                <a:latin typeface="Courier New"/>
-              </a:rPr>
-              <a:t>==</a:t>
-            </a:r>
-            <a:r>
-              <a:rPr b="0" lang="en-US" sz="2400" spc="-1" strike="noStrike">
-                <a:solidFill>
-                  <a:schemeClr val="dk1"/>
-                </a:solidFill>
-                <a:latin typeface="Courier New"/>
-              </a:rPr>
-              <a:t> </a:t>
-            </a:r>
-            <a:r>
-              <a:rPr b="0" lang="en-US" sz="2400" spc="-1" strike="noStrike">
-                <a:solidFill>
-                  <a:srgbClr val="40a070"/>
-                </a:solidFill>
-                <a:latin typeface="Courier New"/>
-              </a:rPr>
-              <a:t>0</a:t>
-            </a:r>
-            <a:r>
-              <a:rPr b="0" lang="en-US" sz="2400" spc="-1" strike="noStrike">
-                <a:solidFill>
-                  <a:schemeClr val="dk1"/>
-                </a:solidFill>
-                <a:latin typeface="Courier New"/>
-              </a:rPr>
-              <a:t>:</a:t>
-            </a:r>
-            <a:br>
-              <a:rPr sz="2400"/>
-            </a:br>
-            <a:r>
-              <a:rPr b="0" lang="en-US" sz="2400" spc="-1" strike="noStrike">
-                <a:solidFill>
-                  <a:schemeClr val="dk1"/>
-                </a:solidFill>
-                <a:latin typeface="Courier New"/>
-              </a:rPr>
-              <a:t>        </a:t>
-            </a:r>
-            <a:r>
-              <a:rPr b="0" lang="en-US" sz="2400" spc="-1" strike="noStrike">
-                <a:solidFill>
-                  <a:srgbClr val="008000"/>
-                </a:solidFill>
-                <a:latin typeface="Courier New"/>
-              </a:rPr>
-              <a:t>print</a:t>
-            </a:r>
-            <a:r>
-              <a:rPr b="0" lang="en-US" sz="2400" spc="-1" strike="noStrike">
-                <a:solidFill>
-                  <a:schemeClr val="dk1"/>
-                </a:solidFill>
-                <a:latin typeface="Courier New"/>
-              </a:rPr>
-              <a:t>(</a:t>
-            </a:r>
-            <a:r>
-              <a:rPr b="0" lang="en-US" sz="2400" spc="-1" strike="noStrike">
-                <a:solidFill>
-                  <a:srgbClr val="4070a0"/>
-                </a:solidFill>
-                <a:latin typeface="Courier New"/>
-              </a:rPr>
-              <a:t>"🚀 Décollage !"</a:t>
-            </a:r>
-            <a:r>
-              <a:rPr b="0" lang="en-US" sz="2400" spc="-1" strike="noStrike">
-                <a:solidFill>
-                  <a:schemeClr val="dk1"/>
-                </a:solidFill>
-                <a:latin typeface="Courier New"/>
-              </a:rPr>
-              <a:t>)</a:t>
-            </a:r>
-            <a:br>
-              <a:rPr sz="2400"/>
-            </a:br>
-            <a:r>
-              <a:rPr b="0" lang="en-US" sz="2400" spc="-1" strike="noStrike">
-                <a:solidFill>
-                  <a:schemeClr val="dk1"/>
-                </a:solidFill>
-                <a:latin typeface="Courier New"/>
-              </a:rPr>
-              <a:t>        </a:t>
-            </a:r>
-            <a:r>
-              <a:rPr b="1" lang="en-US" sz="2400" spc="-1" strike="noStrike">
-                <a:solidFill>
-                  <a:srgbClr val="007020"/>
-                </a:solidFill>
-                <a:latin typeface="Courier New"/>
-              </a:rPr>
-              <a:t>return</a:t>
-            </a:r>
-            <a:br>
-              <a:rPr sz="2400"/>
-            </a:br>
-            <a:r>
-              <a:rPr b="0" lang="en-US" sz="2400" spc="-1" strike="noStrike">
-                <a:solidFill>
-                  <a:schemeClr val="dk1"/>
-                </a:solidFill>
-                <a:latin typeface="Courier New"/>
-              </a:rPr>
-              <a:t>    </a:t>
-            </a:r>
-            <a:r>
-              <a:rPr b="0" lang="en-US" sz="2400" spc="-1" strike="noStrike">
-                <a:solidFill>
-                  <a:srgbClr val="008000"/>
-                </a:solidFill>
-                <a:latin typeface="Courier New"/>
-              </a:rPr>
-              <a:t>print</a:t>
-            </a:r>
-            <a:r>
-              <a:rPr b="0" lang="en-US" sz="2400" spc="-1" strike="noStrike">
-                <a:solidFill>
-                  <a:schemeClr val="dk1"/>
-                </a:solidFill>
-                <a:latin typeface="Courier New"/>
-              </a:rPr>
-              <a:t>(n)</a:t>
-            </a:r>
-            <a:br>
-              <a:rPr sz="2400"/>
-            </a:br>
-            <a:r>
-              <a:rPr b="0" lang="en-US" sz="2400" spc="-1" strike="noStrike">
-                <a:solidFill>
-                  <a:schemeClr val="dk1"/>
-                </a:solidFill>
-                <a:latin typeface="Courier New"/>
-              </a:rPr>
-              <a:t>    compte_a_rebours(n </a:t>
-            </a:r>
-            <a:r>
-              <a:rPr b="0" lang="en-US" sz="2400" spc="-1" strike="noStrike">
-                <a:solidFill>
-                  <a:srgbClr val="666666"/>
-                </a:solidFill>
-                <a:latin typeface="Courier New"/>
-              </a:rPr>
-              <a:t>-</a:t>
-            </a:r>
-            <a:r>
-              <a:rPr b="0" lang="en-US" sz="2400" spc="-1" strike="noStrike">
-                <a:solidFill>
-                  <a:schemeClr val="dk1"/>
-                </a:solidFill>
-                <a:latin typeface="Courier New"/>
-              </a:rPr>
-              <a:t> </a:t>
-            </a:r>
-            <a:r>
-              <a:rPr b="0" lang="en-US" sz="2400" spc="-1" strike="noStrike">
-                <a:solidFill>
-                  <a:srgbClr val="40a070"/>
-                </a:solidFill>
-                <a:latin typeface="Courier New"/>
-              </a:rPr>
-              <a:t>1</a:t>
-            </a:r>
-            <a:r>
-              <a:rPr b="0" lang="en-US" sz="2400" spc="-1" strike="noStrike">
-                <a:solidFill>
-                  <a:schemeClr val="dk1"/>
-                </a:solidFill>
-                <a:latin typeface="Courier New"/>
-              </a:rPr>
-              <a:t>)</a:t>
-            </a:r>
-            <a:br>
-              <a:rPr sz="2400"/>
-            </a:br>
-            <a:br>
-              <a:rPr sz="2400"/>
-            </a:br>
-            <a:r>
-              <a:rPr b="0" i="1" lang="en-US" sz="2400" spc="-1" strike="noStrike">
-                <a:solidFill>
-                  <a:srgbClr val="60a0b0"/>
-                </a:solidFill>
-                <a:latin typeface="Courier New"/>
-              </a:rPr>
-              <a:t># --- Utilisation ---</a:t>
-            </a:r>
-            <a:br>
-              <a:rPr sz="2400"/>
-            </a:br>
-            <a:r>
-              <a:rPr b="0" lang="en-US" sz="2400" spc="-1" strike="noStrike">
-                <a:solidFill>
-                  <a:schemeClr val="dk1"/>
-                </a:solidFill>
-                <a:latin typeface="Courier New"/>
-              </a:rPr>
-              <a:t>config </a:t>
-            </a:r>
-            <a:r>
-              <a:rPr b="0" lang="en-US" sz="2400" spc="-1" strike="noStrike">
-                <a:solidFill>
-                  <a:srgbClr val="666666"/>
-                </a:solidFill>
-                <a:latin typeface="Courier New"/>
-              </a:rPr>
-              <a:t>=</a:t>
-            </a:r>
-            <a:r>
-              <a:rPr b="0" lang="en-US" sz="2400" spc="-1" strike="noStrike">
-                <a:solidFill>
-                  <a:schemeClr val="dk1"/>
-                </a:solidFill>
-                <a:latin typeface="Courier New"/>
-              </a:rPr>
-              <a:t> lire_config()</a:t>
-            </a:r>
-            <a:br>
-              <a:rPr sz="2400"/>
-            </a:br>
-            <a:r>
-              <a:rPr b="0" lang="en-US" sz="2400" spc="-1" strike="noStrike">
-                <a:solidFill>
-                  <a:srgbClr val="008000"/>
-                </a:solidFill>
-                <a:latin typeface="Courier New"/>
-              </a:rPr>
-              <a:t>print</a:t>
-            </a:r>
-            <a:r>
-              <a:rPr b="0" lang="en-US" sz="2400" spc="-1" strike="noStrike">
-                <a:solidFill>
-                  <a:schemeClr val="dk1"/>
-                </a:solidFill>
-                <a:latin typeface="Courier New"/>
-              </a:rPr>
-              <a:t>(</a:t>
-            </a:r>
-            <a:r>
-              <a:rPr b="0" lang="en-US" sz="2400" spc="-1" strike="noStrike">
-                <a:solidFill>
-                  <a:srgbClr val="4070a0"/>
-                </a:solidFill>
-                <a:latin typeface="Courier New"/>
-              </a:rPr>
-              <a:t>"Config :"</a:t>
-            </a:r>
-            <a:r>
-              <a:rPr b="0" lang="en-US" sz="2400" spc="-1" strike="noStrike">
-                <a:solidFill>
-                  <a:schemeClr val="dk1"/>
-                </a:solidFill>
-                <a:latin typeface="Courier New"/>
-              </a:rPr>
-              <a:t>, config)</a:t>
-            </a:r>
-            <a:br>
-              <a:rPr sz="2400"/>
-            </a:br>
-            <a:br>
-              <a:rPr sz="2400"/>
-            </a:br>
-            <a:r>
-              <a:rPr b="0" lang="en-US" sz="2400" spc="-1" strike="noStrike">
-                <a:solidFill>
-                  <a:schemeClr val="dk1"/>
-                </a:solidFill>
-                <a:latin typeface="Courier New"/>
-              </a:rPr>
-              <a:t>s, p, d </a:t>
-            </a:r>
-            <a:r>
-              <a:rPr b="0" lang="en-US" sz="2400" spc="-1" strike="noStrike">
-                <a:solidFill>
-                  <a:srgbClr val="666666"/>
-                </a:solidFill>
-                <a:latin typeface="Courier New"/>
-              </a:rPr>
-              <a:t>=</a:t>
-            </a:r>
-            <a:r>
-              <a:rPr b="0" lang="en-US" sz="2400" spc="-1" strike="noStrike">
-                <a:solidFill>
-                  <a:schemeClr val="dk1"/>
-                </a:solidFill>
-                <a:latin typeface="Courier New"/>
-              </a:rPr>
-              <a:t> calcul_stats(</a:t>
-            </a:r>
-            <a:r>
-              <a:rPr b="0" lang="en-US" sz="2400" spc="-1" strike="noStrike">
-                <a:solidFill>
-                  <a:srgbClr val="40a070"/>
-                </a:solidFill>
-                <a:latin typeface="Courier New"/>
-              </a:rPr>
-              <a:t>5</a:t>
-            </a:r>
-            <a:r>
-              <a:rPr b="0" lang="en-US" sz="2400" spc="-1" strike="noStrike">
-                <a:solidFill>
-                  <a:schemeClr val="dk1"/>
-                </a:solidFill>
-                <a:latin typeface="Courier New"/>
-              </a:rPr>
-              <a:t>, </a:t>
-            </a:r>
-            <a:r>
-              <a:rPr b="0" lang="en-US" sz="2400" spc="-1" strike="noStrike">
-                <a:solidFill>
-                  <a:srgbClr val="40a070"/>
-                </a:solidFill>
-                <a:latin typeface="Courier New"/>
-              </a:rPr>
-              <a:t>3</a:t>
-            </a:r>
-            <a:r>
-              <a:rPr b="0" lang="en-US" sz="2400" spc="-1" strike="noStrike">
-                <a:solidFill>
-                  <a:schemeClr val="dk1"/>
-                </a:solidFill>
-                <a:latin typeface="Courier New"/>
-              </a:rPr>
-              <a:t>)</a:t>
-            </a:r>
-            <a:br>
-              <a:rPr sz="2400"/>
-            </a:br>
-            <a:r>
-              <a:rPr b="0" lang="en-US" sz="2400" spc="-1" strike="noStrike">
-                <a:solidFill>
-                  <a:srgbClr val="008000"/>
-                </a:solidFill>
-                <a:latin typeface="Courier New"/>
-              </a:rPr>
-              <a:t>print</a:t>
-            </a:r>
-            <a:r>
-              <a:rPr b="0" lang="en-US" sz="2400" spc="-1" strike="noStrike">
-                <a:solidFill>
-                  <a:schemeClr val="dk1"/>
-                </a:solidFill>
-                <a:latin typeface="Courier New"/>
-              </a:rPr>
-              <a:t>(</a:t>
-            </a:r>
-            <a:r>
-              <a:rPr b="0" lang="en-US" sz="2400" spc="-1" strike="noStrike">
-                <a:solidFill>
-                  <a:srgbClr val="bb6688"/>
-                </a:solidFill>
-                <a:latin typeface="Courier New"/>
-              </a:rPr>
-              <a:t>f"Somme=</a:t>
-            </a:r>
-            <a:r>
-              <a:rPr b="0" lang="en-US" sz="2400" spc="-1" strike="noStrike">
-                <a:solidFill>
-                  <a:srgbClr val="4070a0"/>
-                </a:solidFill>
-                <a:latin typeface="Courier New"/>
-              </a:rPr>
-              <a:t>{</a:t>
-            </a:r>
-            <a:r>
-              <a:rPr b="0" lang="en-US" sz="2400" spc="-1" strike="noStrike">
-                <a:solidFill>
-                  <a:schemeClr val="dk1"/>
-                </a:solidFill>
-                <a:latin typeface="Courier New"/>
-              </a:rPr>
-              <a:t>s</a:t>
-            </a:r>
-            <a:r>
-              <a:rPr b="0" lang="en-US" sz="2400" spc="-1" strike="noStrike">
-                <a:solidFill>
-                  <a:srgbClr val="4070a0"/>
-                </a:solidFill>
-                <a:latin typeface="Courier New"/>
-              </a:rPr>
-              <a:t>}</a:t>
-            </a:r>
-            <a:r>
-              <a:rPr b="0" lang="en-US" sz="2400" spc="-1" strike="noStrike">
-                <a:solidFill>
-                  <a:srgbClr val="bb6688"/>
-                </a:solidFill>
-                <a:latin typeface="Courier New"/>
-              </a:rPr>
-              <a:t>, Produit=</a:t>
-            </a:r>
-            <a:r>
-              <a:rPr b="0" lang="en-US" sz="2400" spc="-1" strike="noStrike">
-                <a:solidFill>
-                  <a:srgbClr val="4070a0"/>
-                </a:solidFill>
-                <a:latin typeface="Courier New"/>
-              </a:rPr>
-              <a:t>{</a:t>
-            </a:r>
-            <a:r>
-              <a:rPr b="0" lang="en-US" sz="2400" spc="-1" strike="noStrike">
-                <a:solidFill>
-                  <a:schemeClr val="dk1"/>
-                </a:solidFill>
-                <a:latin typeface="Courier New"/>
-              </a:rPr>
-              <a:t>p</a:t>
-            </a:r>
-            <a:r>
-              <a:rPr b="0" lang="en-US" sz="2400" spc="-1" strike="noStrike">
-                <a:solidFill>
-                  <a:srgbClr val="4070a0"/>
-                </a:solidFill>
-                <a:latin typeface="Courier New"/>
-              </a:rPr>
-              <a:t>}</a:t>
-            </a:r>
-            <a:r>
-              <a:rPr b="0" lang="en-US" sz="2400" spc="-1" strike="noStrike">
-                <a:solidFill>
-                  <a:srgbClr val="bb6688"/>
-                </a:solidFill>
-                <a:latin typeface="Courier New"/>
-              </a:rPr>
-              <a:t>, Diff=</a:t>
-            </a:r>
-            <a:r>
-              <a:rPr b="0" lang="en-US" sz="2400" spc="-1" strike="noStrike">
-                <a:solidFill>
-                  <a:srgbClr val="4070a0"/>
-                </a:solidFill>
-                <a:latin typeface="Courier New"/>
-              </a:rPr>
-              <a:t>{</a:t>
-            </a:r>
-            <a:r>
-              <a:rPr b="0" lang="en-US" sz="2400" spc="-1" strike="noStrike">
-                <a:solidFill>
-                  <a:schemeClr val="dk1"/>
-                </a:solidFill>
-                <a:latin typeface="Courier New"/>
-              </a:rPr>
-              <a:t>d</a:t>
-            </a:r>
-            <a:r>
-              <a:rPr b="0" lang="en-US" sz="2400" spc="-1" strike="noStrike">
-                <a:solidFill>
-                  <a:srgbClr val="4070a0"/>
-                </a:solidFill>
-                <a:latin typeface="Courier New"/>
-              </a:rPr>
-              <a:t>}</a:t>
-            </a:r>
-            <a:r>
-              <a:rPr b="0" lang="en-US" sz="2400" spc="-1" strike="noStrike">
-                <a:solidFill>
-                  <a:srgbClr val="bb6688"/>
-                </a:solidFill>
-                <a:latin typeface="Courier New"/>
-              </a:rPr>
-              <a:t>"</a:t>
-            </a:r>
-            <a:r>
-              <a:rPr b="0" lang="en-US" sz="2400" spc="-1" strike="noStrike">
-                <a:solidFill>
-                  <a:schemeClr val="dk1"/>
-                </a:solidFill>
-                <a:latin typeface="Courier New"/>
-              </a:rPr>
-              <a:t>)</a:t>
-            </a:r>
-            <a:br>
-              <a:rPr sz="2400"/>
-            </a:br>
-            <a:br>
-              <a:rPr sz="2400"/>
-            </a:br>
-            <a:r>
-              <a:rPr b="0" lang="en-US" sz="2400" spc="-1" strike="noStrike">
-                <a:solidFill>
-                  <a:schemeClr val="dk1"/>
-                </a:solidFill>
-                <a:latin typeface="Courier New"/>
-              </a:rPr>
-              <a:t>compte_a_rebours(</a:t>
-            </a:r>
-            <a:r>
-              <a:rPr b="0" lang="en-US" sz="2400" spc="-1" strike="noStrike">
-                <a:solidFill>
-                  <a:srgbClr val="40a070"/>
-                </a:solidFill>
-                <a:latin typeface="Courier New"/>
-              </a:rPr>
-              <a:t>5</a:t>
-            </a:r>
-            <a:r>
-              <a:rPr b="0" lang="en-US" sz="2400" spc="-1" strike="noStrike">
-                <a:solidFill>
-                  <a:schemeClr val="dk1"/>
-                </a:solidFill>
-                <a:latin typeface="Courier New"/>
-              </a:rPr>
-              <a:t>)</a:t>
-            </a:r>
-            <a:endParaRPr b="0" lang="en-US" sz="2400" spc="-1" strike="noStrike">
+            <a:endParaRPr b="0" lang="en-US" sz="1500" spc="-1" strike="noStrike">
               <a:solidFill>
                 <a:schemeClr val="dk1"/>
               </a:solidFill>
